--- a/study-note/자바/2022-09-30 내용정리.pptx
+++ b/study-note/자바/2022-09-30 내용정리.pptx
@@ -5,7 +5,7 @@
     <p:sldMasterId id="2147483648" r:id="rId1"/>
   </p:sldMasterIdLst>
   <p:notesMasterIdLst>
-    <p:notesMasterId r:id="rId11"/>
+    <p:notesMasterId r:id="rId12"/>
   </p:notesMasterIdLst>
   <p:sldIdLst>
     <p:sldId id="256" r:id="rId2"/>
@@ -17,6 +17,7 @@
     <p:sldId id="262" r:id="rId8"/>
     <p:sldId id="264" r:id="rId9"/>
     <p:sldId id="263" r:id="rId10"/>
+    <p:sldId id="265" r:id="rId11"/>
   </p:sldIdLst>
   <p:sldSz cx="12192000" cy="6858000"/>
   <p:notesSz cx="6858000" cy="9144000"/>
@@ -3814,11 +3815,11 @@
           <a:lstStyle/>
           <a:p>
             <a:r>
-              <a:rPr kumimoji="1" lang="en-US" altLang="ko-Kore-KR"/>
+              <a:rPr kumimoji="1" lang="en-US" altLang="ko-Kore-KR" dirty="0"/>
               <a:t>2022.09.</a:t>
             </a:r>
             <a:r>
-              <a:rPr kumimoji="1" lang="en-US" altLang="ko-KR"/>
+              <a:rPr kumimoji="1" lang="en-US" altLang="ko-KR" dirty="0"/>
               <a:t>30</a:t>
             </a:r>
             <a:endParaRPr kumimoji="1" lang="ko-Kore-KR" altLang="en-US" dirty="0"/>
@@ -3857,6 +3858,974 @@
     <p:extLst>
       <p:ext uri="{BB962C8B-B14F-4D97-AF65-F5344CB8AC3E}">
         <p14:creationId xmlns:p14="http://schemas.microsoft.com/office/powerpoint/2010/main" val="1614492769"/>
+      </p:ext>
+    </p:extLst>
+  </p:cSld>
+  <p:clrMapOvr>
+    <a:masterClrMapping/>
+  </p:clrMapOvr>
+</p:sld>
+</file>
+
+<file path=ppt/slides/slide10.xml><?xml version="1.0" encoding="utf-8"?>
+<p:sld xmlns:a="http://schemas.openxmlformats.org/drawingml/2006/main" xmlns:r="http://schemas.openxmlformats.org/officeDocument/2006/relationships" xmlns:p="http://schemas.openxmlformats.org/presentationml/2006/main">
+  <p:cSld>
+    <p:spTree>
+      <p:nvGrpSpPr>
+        <p:cNvPr id="1" name=""/>
+        <p:cNvGrpSpPr/>
+        <p:nvPr/>
+      </p:nvGrpSpPr>
+      <p:grpSpPr>
+        <a:xfrm>
+          <a:off x="0" y="0"/>
+          <a:ext cx="0" cy="0"/>
+          <a:chOff x="0" y="0"/>
+          <a:chExt cx="0" cy="0"/>
+        </a:xfrm>
+      </p:grpSpPr>
+      <p:sp>
+        <p:nvSpPr>
+          <p:cNvPr id="4" name="직사각형 3">
+            <a:extLst>
+              <a:ext uri="{FF2B5EF4-FFF2-40B4-BE49-F238E27FC236}">
+                <a16:creationId xmlns:a16="http://schemas.microsoft.com/office/drawing/2014/main" id="{D100BD52-64D8-B9F4-13B2-CBE12B39F9DD}"/>
+              </a:ext>
+            </a:extLst>
+          </p:cNvPr>
+          <p:cNvSpPr/>
+          <p:nvPr/>
+        </p:nvSpPr>
+        <p:spPr>
+          <a:xfrm>
+            <a:off x="882869" y="2102069"/>
+            <a:ext cx="1282262" cy="1072055"/>
+          </a:xfrm>
+          <a:prstGeom prst="rect">
+            <a:avLst/>
+          </a:prstGeom>
+        </p:spPr>
+        <p:style>
+          <a:lnRef idx="2">
+            <a:schemeClr val="accent1">
+              <a:shade val="50000"/>
+            </a:schemeClr>
+          </a:lnRef>
+          <a:fillRef idx="1">
+            <a:schemeClr val="accent1"/>
+          </a:fillRef>
+          <a:effectRef idx="0">
+            <a:schemeClr val="accent1"/>
+          </a:effectRef>
+          <a:fontRef idx="minor">
+            <a:schemeClr val="lt1"/>
+          </a:fontRef>
+        </p:style>
+        <p:txBody>
+          <a:bodyPr rtlCol="0" anchor="ctr"/>
+          <a:lstStyle/>
+          <a:p>
+            <a:pPr algn="ctr"/>
+            <a:r>
+              <a:rPr kumimoji="1" lang="en-US" altLang="ko-Kore-KR" dirty="0"/>
+              <a:t>Web</a:t>
+            </a:r>
+          </a:p>
+          <a:p>
+            <a:pPr algn="ctr"/>
+            <a:r>
+              <a:rPr kumimoji="1" lang="en-US" altLang="ko-Kore-KR" dirty="0"/>
+              <a:t>Browser</a:t>
+            </a:r>
+            <a:endParaRPr kumimoji="1" lang="ko-Kore-KR" altLang="en-US" dirty="0"/>
+          </a:p>
+        </p:txBody>
+      </p:sp>
+      <p:sp>
+        <p:nvSpPr>
+          <p:cNvPr id="5" name="직사각형 4">
+            <a:extLst>
+              <a:ext uri="{FF2B5EF4-FFF2-40B4-BE49-F238E27FC236}">
+                <a16:creationId xmlns:a16="http://schemas.microsoft.com/office/drawing/2014/main" id="{42596BD1-A545-3E64-12C7-6394DAAEDC1A}"/>
+              </a:ext>
+            </a:extLst>
+          </p:cNvPr>
+          <p:cNvSpPr/>
+          <p:nvPr/>
+        </p:nvSpPr>
+        <p:spPr>
+          <a:xfrm>
+            <a:off x="9821917" y="2102068"/>
+            <a:ext cx="1282262" cy="1072055"/>
+          </a:xfrm>
+          <a:prstGeom prst="rect">
+            <a:avLst/>
+          </a:prstGeom>
+        </p:spPr>
+        <p:style>
+          <a:lnRef idx="2">
+            <a:schemeClr val="accent1">
+              <a:shade val="50000"/>
+            </a:schemeClr>
+          </a:lnRef>
+          <a:fillRef idx="1">
+            <a:schemeClr val="accent1"/>
+          </a:fillRef>
+          <a:effectRef idx="0">
+            <a:schemeClr val="accent1"/>
+          </a:effectRef>
+          <a:fontRef idx="minor">
+            <a:schemeClr val="lt1"/>
+          </a:fontRef>
+        </p:style>
+        <p:txBody>
+          <a:bodyPr rtlCol="0" anchor="ctr"/>
+          <a:lstStyle/>
+          <a:p>
+            <a:pPr algn="ctr"/>
+            <a:r>
+              <a:rPr kumimoji="1" lang="en-US" altLang="ko-Kore-KR" dirty="0"/>
+              <a:t>Web</a:t>
+            </a:r>
+          </a:p>
+          <a:p>
+            <a:pPr algn="ctr"/>
+            <a:r>
+              <a:rPr kumimoji="1" lang="en-US" altLang="ko-Kore-KR" dirty="0"/>
+              <a:t>Server</a:t>
+            </a:r>
+            <a:endParaRPr kumimoji="1" lang="ko-Kore-KR" altLang="en-US" dirty="0"/>
+          </a:p>
+        </p:txBody>
+      </p:sp>
+      <p:sp>
+        <p:nvSpPr>
+          <p:cNvPr id="6" name="직사각형 5">
+            <a:extLst>
+              <a:ext uri="{FF2B5EF4-FFF2-40B4-BE49-F238E27FC236}">
+                <a16:creationId xmlns:a16="http://schemas.microsoft.com/office/drawing/2014/main" id="{817FED11-2516-833D-C7F7-1F30CA26BB48}"/>
+              </a:ext>
+            </a:extLst>
+          </p:cNvPr>
+          <p:cNvSpPr/>
+          <p:nvPr/>
+        </p:nvSpPr>
+        <p:spPr>
+          <a:xfrm>
+            <a:off x="5352393" y="2102068"/>
+            <a:ext cx="1282262" cy="1072055"/>
+          </a:xfrm>
+          <a:prstGeom prst="rect">
+            <a:avLst/>
+          </a:prstGeom>
+        </p:spPr>
+        <p:style>
+          <a:lnRef idx="2">
+            <a:schemeClr val="accent1">
+              <a:shade val="50000"/>
+            </a:schemeClr>
+          </a:lnRef>
+          <a:fillRef idx="1">
+            <a:schemeClr val="accent1"/>
+          </a:fillRef>
+          <a:effectRef idx="0">
+            <a:schemeClr val="accent1"/>
+          </a:effectRef>
+          <a:fontRef idx="minor">
+            <a:schemeClr val="lt1"/>
+          </a:fontRef>
+        </p:style>
+        <p:txBody>
+          <a:bodyPr rtlCol="0" anchor="ctr"/>
+          <a:lstStyle/>
+          <a:p>
+            <a:pPr algn="ctr"/>
+            <a:r>
+              <a:rPr kumimoji="1" lang="en-US" altLang="ko-Kore-KR" dirty="0"/>
+              <a:t>Proxy</a:t>
+            </a:r>
+          </a:p>
+          <a:p>
+            <a:pPr algn="ctr"/>
+            <a:r>
+              <a:rPr kumimoji="1" lang="en-US" altLang="ko-Kore-KR" dirty="0"/>
+              <a:t>Server</a:t>
+            </a:r>
+            <a:endParaRPr kumimoji="1" lang="ko-Kore-KR" altLang="en-US" dirty="0"/>
+          </a:p>
+        </p:txBody>
+      </p:sp>
+      <p:sp>
+        <p:nvSpPr>
+          <p:cNvPr id="7" name="제목 1">
+            <a:extLst>
+              <a:ext uri="{FF2B5EF4-FFF2-40B4-BE49-F238E27FC236}">
+                <a16:creationId xmlns:a16="http://schemas.microsoft.com/office/drawing/2014/main" id="{9FC1D39B-D771-51D7-5D40-D8097427BD68}"/>
+              </a:ext>
+            </a:extLst>
+          </p:cNvPr>
+          <p:cNvSpPr>
+            <a:spLocks noGrp="1"/>
+          </p:cNvSpPr>
+          <p:nvPr>
+            <p:ph type="title"/>
+          </p:nvPr>
+        </p:nvSpPr>
+        <p:spPr>
+          <a:xfrm>
+            <a:off x="155027" y="186450"/>
+            <a:ext cx="3765331" cy="465192"/>
+          </a:xfrm>
+        </p:spPr>
+        <p:txBody>
+          <a:bodyPr>
+            <a:normAutofit fontScale="90000"/>
+          </a:bodyPr>
+          <a:lstStyle/>
+          <a:p>
+            <a:r>
+              <a:rPr kumimoji="1" lang="en-US" altLang="ko-Kore-KR" sz="2800" b="1" dirty="0"/>
+              <a:t>Proxy server</a:t>
+            </a:r>
+            <a:endParaRPr kumimoji="1" lang="ko-Kore-KR" altLang="en-US" sz="2800" b="1" dirty="0"/>
+          </a:p>
+        </p:txBody>
+      </p:sp>
+      <p:cxnSp>
+        <p:nvCxnSpPr>
+          <p:cNvPr id="9" name="구부러진 연결선[U] 8">
+            <a:extLst>
+              <a:ext uri="{FF2B5EF4-FFF2-40B4-BE49-F238E27FC236}">
+                <a16:creationId xmlns:a16="http://schemas.microsoft.com/office/drawing/2014/main" id="{26F31DF0-6C3B-ED76-F983-ECB00ED6131A}"/>
+              </a:ext>
+            </a:extLst>
+          </p:cNvPr>
+          <p:cNvCxnSpPr>
+            <a:stCxn id="4" idx="0"/>
+            <a:endCxn id="6" idx="0"/>
+          </p:cNvCxnSpPr>
+          <p:nvPr/>
+        </p:nvCxnSpPr>
+        <p:spPr>
+          <a:xfrm rot="5400000" flipH="1" flipV="1">
+            <a:off x="3758762" y="-132693"/>
+            <a:ext cx="1" cy="4469524"/>
+          </a:xfrm>
+          <a:prstGeom prst="curvedConnector3">
+            <a:avLst>
+              <a:gd name="adj1" fmla="val 22860100000"/>
+            </a:avLst>
+          </a:prstGeom>
+          <a:ln>
+            <a:tailEnd type="triangle"/>
+          </a:ln>
+        </p:spPr>
+        <p:style>
+          <a:lnRef idx="3">
+            <a:schemeClr val="accent1"/>
+          </a:lnRef>
+          <a:fillRef idx="0">
+            <a:schemeClr val="accent1"/>
+          </a:fillRef>
+          <a:effectRef idx="2">
+            <a:schemeClr val="accent1"/>
+          </a:effectRef>
+          <a:fontRef idx="minor">
+            <a:schemeClr val="tx1"/>
+          </a:fontRef>
+        </p:style>
+      </p:cxnSp>
+      <p:cxnSp>
+        <p:nvCxnSpPr>
+          <p:cNvPr id="10" name="구부러진 연결선[U] 9">
+            <a:extLst>
+              <a:ext uri="{FF2B5EF4-FFF2-40B4-BE49-F238E27FC236}">
+                <a16:creationId xmlns:a16="http://schemas.microsoft.com/office/drawing/2014/main" id="{19190EE8-BD71-0086-969B-E35BA6E76B70}"/>
+              </a:ext>
+            </a:extLst>
+          </p:cNvPr>
+          <p:cNvCxnSpPr>
+            <a:cxnSpLocks/>
+            <a:stCxn id="6" idx="0"/>
+            <a:endCxn id="5" idx="0"/>
+          </p:cNvCxnSpPr>
+          <p:nvPr/>
+        </p:nvCxnSpPr>
+        <p:spPr>
+          <a:xfrm rot="5400000" flipH="1" flipV="1">
+            <a:off x="8228286" y="-132694"/>
+            <a:ext cx="12700" cy="4469524"/>
+          </a:xfrm>
+          <a:prstGeom prst="curvedConnector3">
+            <a:avLst>
+              <a:gd name="adj1" fmla="val 1800000"/>
+            </a:avLst>
+          </a:prstGeom>
+          <a:ln>
+            <a:tailEnd type="triangle"/>
+          </a:ln>
+        </p:spPr>
+        <p:style>
+          <a:lnRef idx="3">
+            <a:schemeClr val="accent1"/>
+          </a:lnRef>
+          <a:fillRef idx="0">
+            <a:schemeClr val="accent1"/>
+          </a:fillRef>
+          <a:effectRef idx="2">
+            <a:schemeClr val="accent1"/>
+          </a:effectRef>
+          <a:fontRef idx="minor">
+            <a:schemeClr val="tx1"/>
+          </a:fontRef>
+        </p:style>
+      </p:cxnSp>
+      <p:cxnSp>
+        <p:nvCxnSpPr>
+          <p:cNvPr id="15" name="직선 화살표 연결선 14">
+            <a:extLst>
+              <a:ext uri="{FF2B5EF4-FFF2-40B4-BE49-F238E27FC236}">
+                <a16:creationId xmlns:a16="http://schemas.microsoft.com/office/drawing/2014/main" id="{094F0236-C09D-8A78-3C67-3A6E957A5505}"/>
+              </a:ext>
+            </a:extLst>
+          </p:cNvPr>
+          <p:cNvCxnSpPr>
+            <a:cxnSpLocks/>
+            <a:stCxn id="6" idx="2"/>
+            <a:endCxn id="26" idx="0"/>
+          </p:cNvCxnSpPr>
+          <p:nvPr/>
+        </p:nvCxnSpPr>
+        <p:spPr>
+          <a:xfrm>
+            <a:off x="5993524" y="3174123"/>
+            <a:ext cx="0" cy="806459"/>
+          </a:xfrm>
+          <a:prstGeom prst="straightConnector1">
+            <a:avLst/>
+          </a:prstGeom>
+          <a:ln>
+            <a:tailEnd type="triangle"/>
+          </a:ln>
+        </p:spPr>
+        <p:style>
+          <a:lnRef idx="3">
+            <a:schemeClr val="accent1"/>
+          </a:lnRef>
+          <a:fillRef idx="0">
+            <a:schemeClr val="accent1"/>
+          </a:fillRef>
+          <a:effectRef idx="2">
+            <a:schemeClr val="accent1"/>
+          </a:effectRef>
+          <a:fontRef idx="minor">
+            <a:schemeClr val="tx1"/>
+          </a:fontRef>
+        </p:style>
+      </p:cxnSp>
+      <p:cxnSp>
+        <p:nvCxnSpPr>
+          <p:cNvPr id="16" name="구부러진 연결선[U] 15">
+            <a:extLst>
+              <a:ext uri="{FF2B5EF4-FFF2-40B4-BE49-F238E27FC236}">
+                <a16:creationId xmlns:a16="http://schemas.microsoft.com/office/drawing/2014/main" id="{23CE44D5-E644-9322-701C-6AC516F53C1F}"/>
+              </a:ext>
+            </a:extLst>
+          </p:cNvPr>
+          <p:cNvCxnSpPr>
+            <a:cxnSpLocks/>
+            <a:stCxn id="5" idx="2"/>
+            <a:endCxn id="6" idx="2"/>
+          </p:cNvCxnSpPr>
+          <p:nvPr/>
+        </p:nvCxnSpPr>
+        <p:spPr>
+          <a:xfrm rot="5400000">
+            <a:off x="8228286" y="939361"/>
+            <a:ext cx="12700" cy="4469524"/>
+          </a:xfrm>
+          <a:prstGeom prst="curvedConnector3">
+            <a:avLst>
+              <a:gd name="adj1" fmla="val 1800000"/>
+            </a:avLst>
+          </a:prstGeom>
+          <a:ln>
+            <a:tailEnd type="triangle"/>
+          </a:ln>
+        </p:spPr>
+        <p:style>
+          <a:lnRef idx="3">
+            <a:schemeClr val="accent1"/>
+          </a:lnRef>
+          <a:fillRef idx="0">
+            <a:schemeClr val="accent1"/>
+          </a:fillRef>
+          <a:effectRef idx="2">
+            <a:schemeClr val="accent1"/>
+          </a:effectRef>
+          <a:fontRef idx="minor">
+            <a:schemeClr val="tx1"/>
+          </a:fontRef>
+        </p:style>
+      </p:cxnSp>
+      <p:cxnSp>
+        <p:nvCxnSpPr>
+          <p:cNvPr id="19" name="구부러진 연결선[U] 18">
+            <a:extLst>
+              <a:ext uri="{FF2B5EF4-FFF2-40B4-BE49-F238E27FC236}">
+                <a16:creationId xmlns:a16="http://schemas.microsoft.com/office/drawing/2014/main" id="{F879D25C-BF44-AFC6-EA46-102BFFC3EE3B}"/>
+              </a:ext>
+            </a:extLst>
+          </p:cNvPr>
+          <p:cNvCxnSpPr>
+            <a:cxnSpLocks/>
+            <a:stCxn id="6" idx="2"/>
+            <a:endCxn id="4" idx="2"/>
+          </p:cNvCxnSpPr>
+          <p:nvPr/>
+        </p:nvCxnSpPr>
+        <p:spPr>
+          <a:xfrm rot="5400000">
+            <a:off x="3758762" y="939361"/>
+            <a:ext cx="1" cy="4469524"/>
+          </a:xfrm>
+          <a:prstGeom prst="curvedConnector3">
+            <a:avLst>
+              <a:gd name="adj1" fmla="val 22860100000"/>
+            </a:avLst>
+          </a:prstGeom>
+          <a:ln>
+            <a:tailEnd type="triangle"/>
+          </a:ln>
+        </p:spPr>
+        <p:style>
+          <a:lnRef idx="3">
+            <a:schemeClr val="accent1"/>
+          </a:lnRef>
+          <a:fillRef idx="0">
+            <a:schemeClr val="accent1"/>
+          </a:fillRef>
+          <a:effectRef idx="2">
+            <a:schemeClr val="accent1"/>
+          </a:effectRef>
+          <a:fontRef idx="minor">
+            <a:schemeClr val="tx1"/>
+          </a:fontRef>
+        </p:style>
+      </p:cxnSp>
+      <p:sp>
+        <p:nvSpPr>
+          <p:cNvPr id="22" name="직사각형 21">
+            <a:extLst>
+              <a:ext uri="{FF2B5EF4-FFF2-40B4-BE49-F238E27FC236}">
+                <a16:creationId xmlns:a16="http://schemas.microsoft.com/office/drawing/2014/main" id="{72A99635-2FCF-5630-1DDD-7D26879BEE8E}"/>
+              </a:ext>
+            </a:extLst>
+          </p:cNvPr>
+          <p:cNvSpPr/>
+          <p:nvPr/>
+        </p:nvSpPr>
+        <p:spPr>
+          <a:xfrm>
+            <a:off x="3256673" y="1723694"/>
+            <a:ext cx="1004178" cy="285529"/>
+          </a:xfrm>
+          <a:prstGeom prst="rect">
+            <a:avLst/>
+          </a:prstGeom>
+        </p:spPr>
+        <p:style>
+          <a:lnRef idx="2">
+            <a:schemeClr val="accent1"/>
+          </a:lnRef>
+          <a:fillRef idx="1">
+            <a:schemeClr val="lt1"/>
+          </a:fillRef>
+          <a:effectRef idx="0">
+            <a:schemeClr val="accent1"/>
+          </a:effectRef>
+          <a:fontRef idx="minor">
+            <a:schemeClr val="dk1"/>
+          </a:fontRef>
+        </p:style>
+        <p:txBody>
+          <a:bodyPr rtlCol="0" anchor="ctr"/>
+          <a:lstStyle/>
+          <a:p>
+            <a:pPr algn="ctr"/>
+            <a:r>
+              <a:rPr kumimoji="1" lang="en-US" altLang="ko-Kore-KR" sz="1200" dirty="0"/>
+              <a:t>1. </a:t>
+            </a:r>
+            <a:r>
+              <a:rPr kumimoji="1" lang="ko-Kore-KR" altLang="en-US" sz="1200" dirty="0"/>
+              <a:t>요청</a:t>
+            </a:r>
+          </a:p>
+        </p:txBody>
+      </p:sp>
+      <p:sp>
+        <p:nvSpPr>
+          <p:cNvPr id="23" name="직사각형 22">
+            <a:extLst>
+              <a:ext uri="{FF2B5EF4-FFF2-40B4-BE49-F238E27FC236}">
+                <a16:creationId xmlns:a16="http://schemas.microsoft.com/office/drawing/2014/main" id="{1A650041-80F7-4985-2582-A57261812FB0}"/>
+              </a:ext>
+            </a:extLst>
+          </p:cNvPr>
+          <p:cNvSpPr/>
+          <p:nvPr/>
+        </p:nvSpPr>
+        <p:spPr>
+          <a:xfrm>
+            <a:off x="7931151" y="1723693"/>
+            <a:ext cx="1004178" cy="285529"/>
+          </a:xfrm>
+          <a:prstGeom prst="rect">
+            <a:avLst/>
+          </a:prstGeom>
+        </p:spPr>
+        <p:style>
+          <a:lnRef idx="2">
+            <a:schemeClr val="accent1"/>
+          </a:lnRef>
+          <a:fillRef idx="1">
+            <a:schemeClr val="lt1"/>
+          </a:fillRef>
+          <a:effectRef idx="0">
+            <a:schemeClr val="accent1"/>
+          </a:effectRef>
+          <a:fontRef idx="minor">
+            <a:schemeClr val="dk1"/>
+          </a:fontRef>
+        </p:style>
+        <p:txBody>
+          <a:bodyPr rtlCol="0" anchor="ctr"/>
+          <a:lstStyle/>
+          <a:p>
+            <a:pPr algn="ctr"/>
+            <a:r>
+              <a:rPr kumimoji="1" lang="en-US" altLang="ko-KR" sz="1200" dirty="0"/>
+              <a:t>2</a:t>
+            </a:r>
+            <a:r>
+              <a:rPr kumimoji="1" lang="en-US" altLang="ko-Kore-KR" sz="1200" dirty="0"/>
+              <a:t>. </a:t>
+            </a:r>
+            <a:r>
+              <a:rPr kumimoji="1" lang="ko-Kore-KR" altLang="en-US" sz="1200" dirty="0"/>
+              <a:t>요청</a:t>
+            </a:r>
+          </a:p>
+        </p:txBody>
+      </p:sp>
+      <p:sp>
+        <p:nvSpPr>
+          <p:cNvPr id="24" name="직사각형 23">
+            <a:extLst>
+              <a:ext uri="{FF2B5EF4-FFF2-40B4-BE49-F238E27FC236}">
+                <a16:creationId xmlns:a16="http://schemas.microsoft.com/office/drawing/2014/main" id="{9FF10381-D708-3D7E-C4D9-584BF6D0B697}"/>
+              </a:ext>
+            </a:extLst>
+          </p:cNvPr>
+          <p:cNvSpPr/>
+          <p:nvPr/>
+        </p:nvSpPr>
+        <p:spPr>
+          <a:xfrm>
+            <a:off x="7931151" y="3226019"/>
+            <a:ext cx="1004178" cy="285529"/>
+          </a:xfrm>
+          <a:prstGeom prst="rect">
+            <a:avLst/>
+          </a:prstGeom>
+        </p:spPr>
+        <p:style>
+          <a:lnRef idx="2">
+            <a:schemeClr val="accent1"/>
+          </a:lnRef>
+          <a:fillRef idx="1">
+            <a:schemeClr val="lt1"/>
+          </a:fillRef>
+          <a:effectRef idx="0">
+            <a:schemeClr val="accent1"/>
+          </a:effectRef>
+          <a:fontRef idx="minor">
+            <a:schemeClr val="dk1"/>
+          </a:fontRef>
+        </p:style>
+        <p:txBody>
+          <a:bodyPr rtlCol="0" anchor="ctr"/>
+          <a:lstStyle/>
+          <a:p>
+            <a:pPr algn="ctr"/>
+            <a:r>
+              <a:rPr kumimoji="1" lang="en-US" altLang="ko-KR" sz="1200" dirty="0"/>
+              <a:t>3</a:t>
+            </a:r>
+            <a:r>
+              <a:rPr kumimoji="1" lang="en-US" altLang="ko-Kore-KR" sz="1200" dirty="0"/>
+              <a:t>. </a:t>
+            </a:r>
+            <a:r>
+              <a:rPr kumimoji="1" lang="ko-Kore-KR" altLang="en-US" sz="1200" dirty="0"/>
+              <a:t>응답</a:t>
+            </a:r>
+          </a:p>
+        </p:txBody>
+      </p:sp>
+      <p:sp>
+        <p:nvSpPr>
+          <p:cNvPr id="25" name="직사각형 24">
+            <a:extLst>
+              <a:ext uri="{FF2B5EF4-FFF2-40B4-BE49-F238E27FC236}">
+                <a16:creationId xmlns:a16="http://schemas.microsoft.com/office/drawing/2014/main" id="{40A3A13E-072F-F9D5-7517-C48E002D835E}"/>
+              </a:ext>
+            </a:extLst>
+          </p:cNvPr>
+          <p:cNvSpPr/>
+          <p:nvPr/>
+        </p:nvSpPr>
+        <p:spPr>
+          <a:xfrm>
+            <a:off x="3256673" y="3245947"/>
+            <a:ext cx="1004178" cy="285529"/>
+          </a:xfrm>
+          <a:prstGeom prst="rect">
+            <a:avLst/>
+          </a:prstGeom>
+        </p:spPr>
+        <p:style>
+          <a:lnRef idx="2">
+            <a:schemeClr val="accent1"/>
+          </a:lnRef>
+          <a:fillRef idx="1">
+            <a:schemeClr val="lt1"/>
+          </a:fillRef>
+          <a:effectRef idx="0">
+            <a:schemeClr val="accent1"/>
+          </a:effectRef>
+          <a:fontRef idx="minor">
+            <a:schemeClr val="dk1"/>
+          </a:fontRef>
+        </p:style>
+        <p:txBody>
+          <a:bodyPr rtlCol="0" anchor="ctr"/>
+          <a:lstStyle/>
+          <a:p>
+            <a:pPr algn="ctr"/>
+            <a:r>
+              <a:rPr kumimoji="1" lang="en-US" altLang="ko-KR" sz="1200" dirty="0"/>
+              <a:t>4.</a:t>
+            </a:r>
+            <a:r>
+              <a:rPr kumimoji="1" lang="ko-KR" altLang="en-US" sz="1200" dirty="0"/>
+              <a:t> 응답</a:t>
+            </a:r>
+            <a:endParaRPr kumimoji="1" lang="ko-Kore-KR" altLang="en-US" sz="1200" dirty="0"/>
+          </a:p>
+        </p:txBody>
+      </p:sp>
+      <p:sp>
+        <p:nvSpPr>
+          <p:cNvPr id="26" name="직사각형 25">
+            <a:extLst>
+              <a:ext uri="{FF2B5EF4-FFF2-40B4-BE49-F238E27FC236}">
+                <a16:creationId xmlns:a16="http://schemas.microsoft.com/office/drawing/2014/main" id="{F9598848-806B-DA4F-D2C8-ADC026AF76DD}"/>
+              </a:ext>
+            </a:extLst>
+          </p:cNvPr>
+          <p:cNvSpPr/>
+          <p:nvPr/>
+        </p:nvSpPr>
+        <p:spPr>
+          <a:xfrm>
+            <a:off x="5235685" y="3980582"/>
+            <a:ext cx="1515677" cy="643967"/>
+          </a:xfrm>
+          <a:prstGeom prst="rect">
+            <a:avLst/>
+          </a:prstGeom>
+        </p:spPr>
+        <p:style>
+          <a:lnRef idx="2">
+            <a:schemeClr val="accent1"/>
+          </a:lnRef>
+          <a:fillRef idx="1">
+            <a:schemeClr val="lt1"/>
+          </a:fillRef>
+          <a:effectRef idx="0">
+            <a:schemeClr val="accent1"/>
+          </a:effectRef>
+          <a:fontRef idx="minor">
+            <a:schemeClr val="dk1"/>
+          </a:fontRef>
+        </p:style>
+        <p:txBody>
+          <a:bodyPr rtlCol="0" anchor="ctr"/>
+          <a:lstStyle/>
+          <a:p>
+            <a:pPr marL="171450" indent="-171450" algn="ctr">
+              <a:buFontTx/>
+              <a:buChar char="-"/>
+            </a:pPr>
+            <a:r>
+              <a:rPr kumimoji="1" lang="ko-KR" altLang="en-US" sz="1200" dirty="0"/>
+              <a:t>요청 정보 기록</a:t>
+            </a:r>
+            <a:endParaRPr kumimoji="1" lang="en-US" altLang="ko-KR" sz="1200" dirty="0"/>
+          </a:p>
+          <a:p>
+            <a:pPr marL="171450" indent="-171450" algn="ctr">
+              <a:buFontTx/>
+              <a:buChar char="-"/>
+            </a:pPr>
+            <a:r>
+              <a:rPr kumimoji="1" lang="ko-Kore-KR" altLang="en-US" sz="1200" dirty="0"/>
+              <a:t>응답</a:t>
+            </a:r>
+            <a:r>
+              <a:rPr kumimoji="1" lang="ko-KR" altLang="en-US" sz="1200" dirty="0"/>
+              <a:t> 정보 기록</a:t>
+            </a:r>
+            <a:endParaRPr kumimoji="1" lang="ko-Kore-KR" altLang="en-US" sz="1200" dirty="0"/>
+          </a:p>
+        </p:txBody>
+      </p:sp>
+      <p:sp>
+        <p:nvSpPr>
+          <p:cNvPr id="31" name="직사각형 30">
+            <a:extLst>
+              <a:ext uri="{FF2B5EF4-FFF2-40B4-BE49-F238E27FC236}">
+                <a16:creationId xmlns:a16="http://schemas.microsoft.com/office/drawing/2014/main" id="{543379DC-120C-30E1-D5BD-3ABB1F560CAA}"/>
+              </a:ext>
+            </a:extLst>
+          </p:cNvPr>
+          <p:cNvSpPr/>
+          <p:nvPr/>
+        </p:nvSpPr>
+        <p:spPr>
+          <a:xfrm>
+            <a:off x="7048719" y="4064550"/>
+            <a:ext cx="4975115" cy="476030"/>
+          </a:xfrm>
+          <a:prstGeom prst="rect">
+            <a:avLst/>
+          </a:prstGeom>
+        </p:spPr>
+        <p:style>
+          <a:lnRef idx="2">
+            <a:schemeClr val="accent1"/>
+          </a:lnRef>
+          <a:fillRef idx="1">
+            <a:schemeClr val="lt1"/>
+          </a:fillRef>
+          <a:effectRef idx="0">
+            <a:schemeClr val="accent1"/>
+          </a:effectRef>
+          <a:fontRef idx="minor">
+            <a:schemeClr val="dk1"/>
+          </a:fontRef>
+        </p:style>
+        <p:txBody>
+          <a:bodyPr rtlCol="0" anchor="ctr"/>
+          <a:lstStyle/>
+          <a:p>
+            <a:pPr algn="ctr"/>
+            <a:r>
+              <a:rPr kumimoji="1" lang="en-US" altLang="ko-Kore-KR" sz="1200" dirty="0"/>
+              <a:t>Http Client</a:t>
+            </a:r>
+            <a:r>
+              <a:rPr kumimoji="1" lang="ko-Kore-KR" altLang="en-US" sz="1200" dirty="0"/>
+              <a:t>와</a:t>
+            </a:r>
+            <a:r>
+              <a:rPr kumimoji="1" lang="ko-KR" altLang="en-US" sz="1200" dirty="0"/>
+              <a:t> </a:t>
+            </a:r>
+            <a:r>
+              <a:rPr kumimoji="1" lang="en-US" altLang="ko-KR" sz="1200" dirty="0"/>
+              <a:t>Http Server </a:t>
+            </a:r>
+            <a:r>
+              <a:rPr kumimoji="1" lang="ko-KR" altLang="en-US" sz="1200" dirty="0"/>
+              <a:t>사이의 통신을 </a:t>
+            </a:r>
+            <a:r>
+              <a:rPr kumimoji="1" lang="en-US" altLang="ko-KR" sz="1200" b="1" dirty="0"/>
+              <a:t>Monitoring</a:t>
+            </a:r>
+            <a:endParaRPr kumimoji="1" lang="ko-Kore-KR" altLang="en-US" sz="1200" b="1" dirty="0"/>
+          </a:p>
+        </p:txBody>
+      </p:sp>
+      <p:sp>
+        <p:nvSpPr>
+          <p:cNvPr id="32" name="직사각형 31">
+            <a:extLst>
+              <a:ext uri="{FF2B5EF4-FFF2-40B4-BE49-F238E27FC236}">
+                <a16:creationId xmlns:a16="http://schemas.microsoft.com/office/drawing/2014/main" id="{E68E8072-16E7-79B3-29A5-13F665C1F7BA}"/>
+              </a:ext>
+            </a:extLst>
+          </p:cNvPr>
+          <p:cNvSpPr/>
+          <p:nvPr/>
+        </p:nvSpPr>
+        <p:spPr>
+          <a:xfrm>
+            <a:off x="5235684" y="4787041"/>
+            <a:ext cx="1515677" cy="643967"/>
+          </a:xfrm>
+          <a:prstGeom prst="rect">
+            <a:avLst/>
+          </a:prstGeom>
+        </p:spPr>
+        <p:style>
+          <a:lnRef idx="2">
+            <a:schemeClr val="accent1"/>
+          </a:lnRef>
+          <a:fillRef idx="1">
+            <a:schemeClr val="lt1"/>
+          </a:fillRef>
+          <a:effectRef idx="0">
+            <a:schemeClr val="accent1"/>
+          </a:effectRef>
+          <a:fontRef idx="minor">
+            <a:schemeClr val="dk1"/>
+          </a:fontRef>
+        </p:style>
+        <p:txBody>
+          <a:bodyPr rtlCol="0" anchor="ctr"/>
+          <a:lstStyle/>
+          <a:p>
+            <a:pPr algn="ctr"/>
+            <a:r>
+              <a:rPr kumimoji="1" lang="en-US" altLang="ko-KR" sz="1200" dirty="0"/>
+              <a:t>-</a:t>
+            </a:r>
+            <a:r>
+              <a:rPr kumimoji="1" lang="ko-KR" altLang="en-US" sz="1200" dirty="0"/>
+              <a:t> </a:t>
+            </a:r>
+            <a:r>
+              <a:rPr kumimoji="1" lang="en-US" altLang="ko-Kore-KR" sz="1200" dirty="0"/>
+              <a:t>Inbound/Outbound</a:t>
+            </a:r>
+          </a:p>
+          <a:p>
+            <a:pPr algn="ctr"/>
+            <a:r>
+              <a:rPr kumimoji="1" lang="ko-KR" altLang="en-US" sz="1200" dirty="0"/>
+              <a:t>통제</a:t>
+            </a:r>
+            <a:endParaRPr kumimoji="1" lang="ko-Kore-KR" altLang="en-US" sz="1200" dirty="0"/>
+          </a:p>
+        </p:txBody>
+      </p:sp>
+      <p:cxnSp>
+        <p:nvCxnSpPr>
+          <p:cNvPr id="34" name="직선 연결선[R] 33">
+            <a:extLst>
+              <a:ext uri="{FF2B5EF4-FFF2-40B4-BE49-F238E27FC236}">
+                <a16:creationId xmlns:a16="http://schemas.microsoft.com/office/drawing/2014/main" id="{77418E57-DACF-E062-E0CC-CC4302870CD0}"/>
+              </a:ext>
+            </a:extLst>
+          </p:cNvPr>
+          <p:cNvCxnSpPr>
+            <a:stCxn id="26" idx="3"/>
+            <a:endCxn id="31" idx="1"/>
+          </p:cNvCxnSpPr>
+          <p:nvPr/>
+        </p:nvCxnSpPr>
+        <p:spPr>
+          <a:xfrm flipV="1">
+            <a:off x="6751362" y="4302565"/>
+            <a:ext cx="297357" cy="1"/>
+          </a:xfrm>
+          <a:prstGeom prst="line">
+            <a:avLst/>
+          </a:prstGeom>
+        </p:spPr>
+        <p:style>
+          <a:lnRef idx="3">
+            <a:schemeClr val="accent1"/>
+          </a:lnRef>
+          <a:fillRef idx="0">
+            <a:schemeClr val="accent1"/>
+          </a:fillRef>
+          <a:effectRef idx="2">
+            <a:schemeClr val="accent1"/>
+          </a:effectRef>
+          <a:fontRef idx="minor">
+            <a:schemeClr val="tx1"/>
+          </a:fontRef>
+        </p:style>
+      </p:cxnSp>
+      <p:sp>
+        <p:nvSpPr>
+          <p:cNvPr id="35" name="직사각형 34">
+            <a:extLst>
+              <a:ext uri="{FF2B5EF4-FFF2-40B4-BE49-F238E27FC236}">
+                <a16:creationId xmlns:a16="http://schemas.microsoft.com/office/drawing/2014/main" id="{122914F2-51B7-AE3C-4567-FFE2E4A50ED5}"/>
+              </a:ext>
+            </a:extLst>
+          </p:cNvPr>
+          <p:cNvSpPr/>
+          <p:nvPr/>
+        </p:nvSpPr>
+        <p:spPr>
+          <a:xfrm>
+            <a:off x="5242035" y="5648046"/>
+            <a:ext cx="1515677" cy="643967"/>
+          </a:xfrm>
+          <a:prstGeom prst="rect">
+            <a:avLst/>
+          </a:prstGeom>
+        </p:spPr>
+        <p:style>
+          <a:lnRef idx="2">
+            <a:schemeClr val="accent1"/>
+          </a:lnRef>
+          <a:fillRef idx="1">
+            <a:schemeClr val="lt1"/>
+          </a:fillRef>
+          <a:effectRef idx="0">
+            <a:schemeClr val="accent1"/>
+          </a:effectRef>
+          <a:fontRef idx="minor">
+            <a:schemeClr val="dk1"/>
+          </a:fontRef>
+        </p:style>
+        <p:txBody>
+          <a:bodyPr rtlCol="0" anchor="ctr"/>
+          <a:lstStyle/>
+          <a:p>
+            <a:pPr algn="ctr"/>
+            <a:r>
+              <a:rPr kumimoji="1" lang="en-US" altLang="ko-KR" sz="1200" dirty="0"/>
+              <a:t>-</a:t>
+            </a:r>
+            <a:r>
+              <a:rPr kumimoji="1" lang="ko-KR" altLang="en-US" sz="1200" dirty="0"/>
+              <a:t> </a:t>
+            </a:r>
+            <a:r>
+              <a:rPr kumimoji="1" lang="en-US" altLang="ko-Kore-KR" sz="1200" dirty="0"/>
+              <a:t>Cache </a:t>
+            </a:r>
+            <a:r>
+              <a:rPr kumimoji="1" lang="ko-KR" altLang="en-US" sz="1200" dirty="0"/>
+              <a:t>기능 제공</a:t>
+            </a:r>
+            <a:endParaRPr kumimoji="1" lang="ko-Kore-KR" altLang="en-US" sz="1200" dirty="0"/>
+          </a:p>
+        </p:txBody>
+      </p:sp>
+    </p:spTree>
+    <p:extLst>
+      <p:ext uri="{BB962C8B-B14F-4D97-AF65-F5344CB8AC3E}">
+        <p14:creationId xmlns:p14="http://schemas.microsoft.com/office/powerpoint/2010/main" val="3044113732"/>
       </p:ext>
     </p:extLst>
   </p:cSld>

--- a/study-note/자바/2022-09-30 내용정리.pptx
+++ b/study-note/자바/2022-09-30 내용정리.pptx
@@ -5,7 +5,7 @@
     <p:sldMasterId id="2147483648" r:id="rId1"/>
   </p:sldMasterIdLst>
   <p:notesMasterIdLst>
-    <p:notesMasterId r:id="rId12"/>
+    <p:notesMasterId r:id="rId14"/>
   </p:notesMasterIdLst>
   <p:sldIdLst>
     <p:sldId id="256" r:id="rId2"/>
@@ -18,6 +18,8 @@
     <p:sldId id="264" r:id="rId9"/>
     <p:sldId id="263" r:id="rId10"/>
     <p:sldId id="265" r:id="rId11"/>
+    <p:sldId id="266" r:id="rId12"/>
+    <p:sldId id="267" r:id="rId13"/>
   </p:sldIdLst>
   <p:sldSz cx="12192000" cy="6858000"/>
   <p:notesSz cx="6858000" cy="9144000"/>
@@ -4826,6 +4828,1990 @@
     <p:extLst>
       <p:ext uri="{BB962C8B-B14F-4D97-AF65-F5344CB8AC3E}">
         <p14:creationId xmlns:p14="http://schemas.microsoft.com/office/powerpoint/2010/main" val="3044113732"/>
+      </p:ext>
+    </p:extLst>
+  </p:cSld>
+  <p:clrMapOvr>
+    <a:masterClrMapping/>
+  </p:clrMapOvr>
+</p:sld>
+</file>
+
+<file path=ppt/slides/slide11.xml><?xml version="1.0" encoding="utf-8"?>
+<p:sld xmlns:a="http://schemas.openxmlformats.org/drawingml/2006/main" xmlns:r="http://schemas.openxmlformats.org/officeDocument/2006/relationships" xmlns:p="http://schemas.openxmlformats.org/presentationml/2006/main">
+  <p:cSld>
+    <p:spTree>
+      <p:nvGrpSpPr>
+        <p:cNvPr id="1" name=""/>
+        <p:cNvGrpSpPr/>
+        <p:nvPr/>
+      </p:nvGrpSpPr>
+      <p:grpSpPr>
+        <a:xfrm>
+          <a:off x="0" y="0"/>
+          <a:ext cx="0" cy="0"/>
+          <a:chOff x="0" y="0"/>
+          <a:chExt cx="0" cy="0"/>
+        </a:xfrm>
+      </p:grpSpPr>
+      <p:sp>
+        <p:nvSpPr>
+          <p:cNvPr id="4" name="직사각형 3">
+            <a:extLst>
+              <a:ext uri="{FF2B5EF4-FFF2-40B4-BE49-F238E27FC236}">
+                <a16:creationId xmlns:a16="http://schemas.microsoft.com/office/drawing/2014/main" id="{3651199C-60A8-210B-BC4C-6FA2C4B2DD10}"/>
+              </a:ext>
+            </a:extLst>
+          </p:cNvPr>
+          <p:cNvSpPr/>
+          <p:nvPr/>
+        </p:nvSpPr>
+        <p:spPr>
+          <a:xfrm>
+            <a:off x="2711669" y="1608083"/>
+            <a:ext cx="2228193" cy="599089"/>
+          </a:xfrm>
+          <a:prstGeom prst="rect">
+            <a:avLst/>
+          </a:prstGeom>
+        </p:spPr>
+        <p:style>
+          <a:lnRef idx="2">
+            <a:schemeClr val="accent1">
+              <a:shade val="50000"/>
+            </a:schemeClr>
+          </a:lnRef>
+          <a:fillRef idx="1">
+            <a:schemeClr val="accent1"/>
+          </a:fillRef>
+          <a:effectRef idx="0">
+            <a:schemeClr val="accent1"/>
+          </a:effectRef>
+          <a:fontRef idx="minor">
+            <a:schemeClr val="lt1"/>
+          </a:fontRef>
+        </p:style>
+        <p:txBody>
+          <a:bodyPr rtlCol="0" anchor="ctr"/>
+          <a:lstStyle/>
+          <a:p>
+            <a:pPr algn="ctr"/>
+            <a:r>
+              <a:rPr kumimoji="1" lang="en-US" altLang="ko-Kore-KR" dirty="0" err="1"/>
+              <a:t>BoardAddController</a:t>
+            </a:r>
+            <a:endParaRPr kumimoji="1" lang="ko-Kore-KR" altLang="en-US" dirty="0"/>
+          </a:p>
+        </p:txBody>
+      </p:sp>
+      <p:sp>
+        <p:nvSpPr>
+          <p:cNvPr id="6" name="다중 문서 5">
+            <a:extLst>
+              <a:ext uri="{FF2B5EF4-FFF2-40B4-BE49-F238E27FC236}">
+                <a16:creationId xmlns:a16="http://schemas.microsoft.com/office/drawing/2014/main" id="{EEF840E6-928B-7BFF-D1F4-C34F93B9ED06}"/>
+              </a:ext>
+            </a:extLst>
+          </p:cNvPr>
+          <p:cNvSpPr/>
+          <p:nvPr/>
+        </p:nvSpPr>
+        <p:spPr>
+          <a:xfrm>
+            <a:off x="7246885" y="1434661"/>
+            <a:ext cx="1103586" cy="945931"/>
+          </a:xfrm>
+          <a:prstGeom prst="flowChartMultidocument">
+            <a:avLst/>
+          </a:prstGeom>
+        </p:spPr>
+        <p:style>
+          <a:lnRef idx="2">
+            <a:schemeClr val="accent1">
+              <a:shade val="50000"/>
+            </a:schemeClr>
+          </a:lnRef>
+          <a:fillRef idx="1">
+            <a:schemeClr val="accent1"/>
+          </a:fillRef>
+          <a:effectRef idx="0">
+            <a:schemeClr val="accent1"/>
+          </a:effectRef>
+          <a:fontRef idx="minor">
+            <a:schemeClr val="lt1"/>
+          </a:fontRef>
+        </p:style>
+        <p:txBody>
+          <a:bodyPr rtlCol="0" anchor="ctr"/>
+          <a:lstStyle/>
+          <a:p>
+            <a:pPr algn="ctr"/>
+            <a:r>
+              <a:rPr kumimoji="1" lang="en-US" altLang="ko-Kore-KR" dirty="0"/>
+              <a:t>Files</a:t>
+            </a:r>
+            <a:endParaRPr kumimoji="1" lang="ko-Kore-KR" altLang="en-US" dirty="0"/>
+          </a:p>
+        </p:txBody>
+      </p:sp>
+      <p:cxnSp>
+        <p:nvCxnSpPr>
+          <p:cNvPr id="8" name="직선 화살표 연결선 7">
+            <a:extLst>
+              <a:ext uri="{FF2B5EF4-FFF2-40B4-BE49-F238E27FC236}">
+                <a16:creationId xmlns:a16="http://schemas.microsoft.com/office/drawing/2014/main" id="{929719B7-6BAE-B1A1-DAA5-31D9E1A5C926}"/>
+              </a:ext>
+            </a:extLst>
+          </p:cNvPr>
+          <p:cNvCxnSpPr>
+            <a:cxnSpLocks/>
+            <a:stCxn id="14" idx="3"/>
+            <a:endCxn id="4" idx="1"/>
+          </p:cNvCxnSpPr>
+          <p:nvPr/>
+        </p:nvCxnSpPr>
+        <p:spPr>
+          <a:xfrm>
+            <a:off x="1818290" y="1907626"/>
+            <a:ext cx="893379" cy="2"/>
+          </a:xfrm>
+          <a:prstGeom prst="straightConnector1">
+            <a:avLst/>
+          </a:prstGeom>
+          <a:ln>
+            <a:tailEnd type="triangle"/>
+          </a:ln>
+        </p:spPr>
+        <p:style>
+          <a:lnRef idx="3">
+            <a:schemeClr val="accent1"/>
+          </a:lnRef>
+          <a:fillRef idx="0">
+            <a:schemeClr val="accent1"/>
+          </a:fillRef>
+          <a:effectRef idx="2">
+            <a:schemeClr val="accent1"/>
+          </a:effectRef>
+          <a:fontRef idx="minor">
+            <a:schemeClr val="tx1"/>
+          </a:fontRef>
+        </p:style>
+      </p:cxnSp>
+      <p:cxnSp>
+        <p:nvCxnSpPr>
+          <p:cNvPr id="9" name="직선 화살표 연결선 8">
+            <a:extLst>
+              <a:ext uri="{FF2B5EF4-FFF2-40B4-BE49-F238E27FC236}">
+                <a16:creationId xmlns:a16="http://schemas.microsoft.com/office/drawing/2014/main" id="{7C8A08B1-A4D9-01E2-578C-B4E4B0EE0AF4}"/>
+              </a:ext>
+            </a:extLst>
+          </p:cNvPr>
+          <p:cNvCxnSpPr>
+            <a:cxnSpLocks/>
+            <a:stCxn id="4" idx="3"/>
+            <a:endCxn id="6" idx="1"/>
+          </p:cNvCxnSpPr>
+          <p:nvPr/>
+        </p:nvCxnSpPr>
+        <p:spPr>
+          <a:xfrm flipV="1">
+            <a:off x="4939862" y="1907627"/>
+            <a:ext cx="2307023" cy="1"/>
+          </a:xfrm>
+          <a:prstGeom prst="straightConnector1">
+            <a:avLst/>
+          </a:prstGeom>
+          <a:ln>
+            <a:tailEnd type="triangle"/>
+          </a:ln>
+        </p:spPr>
+        <p:style>
+          <a:lnRef idx="3">
+            <a:schemeClr val="accent1"/>
+          </a:lnRef>
+          <a:fillRef idx="0">
+            <a:schemeClr val="accent1"/>
+          </a:fillRef>
+          <a:effectRef idx="2">
+            <a:schemeClr val="accent1"/>
+          </a:effectRef>
+          <a:fontRef idx="minor">
+            <a:schemeClr val="tx1"/>
+          </a:fontRef>
+        </p:style>
+      </p:cxnSp>
+      <p:sp>
+        <p:nvSpPr>
+          <p:cNvPr id="14" name="직사각형 13">
+            <a:extLst>
+              <a:ext uri="{FF2B5EF4-FFF2-40B4-BE49-F238E27FC236}">
+                <a16:creationId xmlns:a16="http://schemas.microsoft.com/office/drawing/2014/main" id="{0D9C9071-1C82-6DF5-5CEE-C44C6AA20DD7}"/>
+              </a:ext>
+            </a:extLst>
+          </p:cNvPr>
+          <p:cNvSpPr/>
+          <p:nvPr/>
+        </p:nvSpPr>
+        <p:spPr>
+          <a:xfrm>
+            <a:off x="814112" y="1764861"/>
+            <a:ext cx="1004178" cy="285529"/>
+          </a:xfrm>
+          <a:prstGeom prst="rect">
+            <a:avLst/>
+          </a:prstGeom>
+        </p:spPr>
+        <p:style>
+          <a:lnRef idx="2">
+            <a:schemeClr val="accent1"/>
+          </a:lnRef>
+          <a:fillRef idx="1">
+            <a:schemeClr val="lt1"/>
+          </a:fillRef>
+          <a:effectRef idx="0">
+            <a:schemeClr val="accent1"/>
+          </a:effectRef>
+          <a:fontRef idx="minor">
+            <a:schemeClr val="dk1"/>
+          </a:fontRef>
+        </p:style>
+        <p:txBody>
+          <a:bodyPr rtlCol="0" anchor="ctr"/>
+          <a:lstStyle/>
+          <a:p>
+            <a:pPr algn="ctr"/>
+            <a:r>
+              <a:rPr kumimoji="1" lang="en-US" altLang="ko-Kore-KR" sz="1200" dirty="0"/>
+              <a:t>1. </a:t>
+            </a:r>
+            <a:r>
+              <a:rPr kumimoji="1" lang="ko-Kore-KR" altLang="en-US" sz="1200" dirty="0"/>
+              <a:t>요청</a:t>
+            </a:r>
+          </a:p>
+        </p:txBody>
+      </p:sp>
+      <p:sp>
+        <p:nvSpPr>
+          <p:cNvPr id="16" name="직사각형 15">
+            <a:extLst>
+              <a:ext uri="{FF2B5EF4-FFF2-40B4-BE49-F238E27FC236}">
+                <a16:creationId xmlns:a16="http://schemas.microsoft.com/office/drawing/2014/main" id="{3B1D78B4-3495-0F28-BF66-830DF5C3D227}"/>
+              </a:ext>
+            </a:extLst>
+          </p:cNvPr>
+          <p:cNvSpPr/>
+          <p:nvPr/>
+        </p:nvSpPr>
+        <p:spPr>
+          <a:xfrm>
+            <a:off x="5591284" y="1774493"/>
+            <a:ext cx="1004178" cy="285529"/>
+          </a:xfrm>
+          <a:prstGeom prst="rect">
+            <a:avLst/>
+          </a:prstGeom>
+        </p:spPr>
+        <p:style>
+          <a:lnRef idx="2">
+            <a:schemeClr val="accent1"/>
+          </a:lnRef>
+          <a:fillRef idx="1">
+            <a:schemeClr val="lt1"/>
+          </a:fillRef>
+          <a:effectRef idx="0">
+            <a:schemeClr val="accent1"/>
+          </a:effectRef>
+          <a:fontRef idx="minor">
+            <a:schemeClr val="dk1"/>
+          </a:fontRef>
+        </p:style>
+        <p:txBody>
+          <a:bodyPr rtlCol="0" anchor="ctr"/>
+          <a:lstStyle/>
+          <a:p>
+            <a:pPr algn="ctr"/>
+            <a:r>
+              <a:rPr kumimoji="1" lang="en-US" altLang="ko-Kore-KR" sz="1200" dirty="0"/>
+              <a:t>2. </a:t>
+            </a:r>
+            <a:r>
+              <a:rPr kumimoji="1" lang="ko-Kore-KR" altLang="en-US" sz="1200" dirty="0"/>
+              <a:t>파일</a:t>
+            </a:r>
+            <a:r>
+              <a:rPr kumimoji="1" lang="ko-KR" altLang="en-US" sz="1200" dirty="0"/>
+              <a:t> 저장</a:t>
+            </a:r>
+            <a:endParaRPr kumimoji="1" lang="ko-Kore-KR" altLang="en-US" sz="1200" dirty="0"/>
+          </a:p>
+        </p:txBody>
+      </p:sp>
+      <p:sp>
+        <p:nvSpPr>
+          <p:cNvPr id="18" name="직사각형 17">
+            <a:extLst>
+              <a:ext uri="{FF2B5EF4-FFF2-40B4-BE49-F238E27FC236}">
+                <a16:creationId xmlns:a16="http://schemas.microsoft.com/office/drawing/2014/main" id="{467F3B1F-DAB1-5E45-031C-15690C05FEE7}"/>
+              </a:ext>
+            </a:extLst>
+          </p:cNvPr>
+          <p:cNvSpPr/>
+          <p:nvPr/>
+        </p:nvSpPr>
+        <p:spPr>
+          <a:xfrm>
+            <a:off x="7346293" y="928411"/>
+            <a:ext cx="1004178" cy="285529"/>
+          </a:xfrm>
+          <a:prstGeom prst="rect">
+            <a:avLst/>
+          </a:prstGeom>
+        </p:spPr>
+        <p:style>
+          <a:lnRef idx="2">
+            <a:schemeClr val="accent1"/>
+          </a:lnRef>
+          <a:fillRef idx="1">
+            <a:schemeClr val="lt1"/>
+          </a:fillRef>
+          <a:effectRef idx="0">
+            <a:schemeClr val="accent1"/>
+          </a:effectRef>
+          <a:fontRef idx="minor">
+            <a:schemeClr val="dk1"/>
+          </a:fontRef>
+        </p:style>
+        <p:txBody>
+          <a:bodyPr rtlCol="0" anchor="ctr"/>
+          <a:lstStyle/>
+          <a:p>
+            <a:pPr algn="ctr"/>
+            <a:r>
+              <a:rPr kumimoji="1" lang="en-US" altLang="ko-Kore-KR" sz="1200" dirty="0"/>
+              <a:t>2. </a:t>
+            </a:r>
+            <a:r>
+              <a:rPr kumimoji="1" lang="ko-Kore-KR" altLang="en-US" sz="1200" dirty="0"/>
+              <a:t>파일</a:t>
+            </a:r>
+            <a:r>
+              <a:rPr kumimoji="1" lang="ko-KR" altLang="en-US" sz="1200" dirty="0"/>
+              <a:t> 저장</a:t>
+            </a:r>
+            <a:endParaRPr kumimoji="1" lang="ko-Kore-KR" altLang="en-US" sz="1200" dirty="0"/>
+          </a:p>
+        </p:txBody>
+      </p:sp>
+      <p:sp>
+        <p:nvSpPr>
+          <p:cNvPr id="19" name="직사각형 18">
+            <a:extLst>
+              <a:ext uri="{FF2B5EF4-FFF2-40B4-BE49-F238E27FC236}">
+                <a16:creationId xmlns:a16="http://schemas.microsoft.com/office/drawing/2014/main" id="{C8155383-4C1E-BF18-BBF7-4EC32DEEE6C3}"/>
+              </a:ext>
+            </a:extLst>
+          </p:cNvPr>
+          <p:cNvSpPr/>
+          <p:nvPr/>
+        </p:nvSpPr>
+        <p:spPr>
+          <a:xfrm>
+            <a:off x="5334000" y="3684747"/>
+            <a:ext cx="2228193" cy="599089"/>
+          </a:xfrm>
+          <a:prstGeom prst="rect">
+            <a:avLst/>
+          </a:prstGeom>
+        </p:spPr>
+        <p:style>
+          <a:lnRef idx="2">
+            <a:schemeClr val="accent1">
+              <a:shade val="50000"/>
+            </a:schemeClr>
+          </a:lnRef>
+          <a:fillRef idx="1">
+            <a:schemeClr val="accent1"/>
+          </a:fillRef>
+          <a:effectRef idx="0">
+            <a:schemeClr val="accent1"/>
+          </a:effectRef>
+          <a:fontRef idx="minor">
+            <a:schemeClr val="lt1"/>
+          </a:fontRef>
+        </p:style>
+        <p:txBody>
+          <a:bodyPr rtlCol="0" anchor="ctr"/>
+          <a:lstStyle/>
+          <a:p>
+            <a:pPr algn="ctr"/>
+            <a:r>
+              <a:rPr kumimoji="1" lang="en-US" altLang="ko-Kore-KR" dirty="0" err="1"/>
+              <a:t>BoardDao</a:t>
+            </a:r>
+            <a:endParaRPr kumimoji="1" lang="ko-Kore-KR" altLang="en-US" dirty="0"/>
+          </a:p>
+        </p:txBody>
+      </p:sp>
+      <p:cxnSp>
+        <p:nvCxnSpPr>
+          <p:cNvPr id="21" name="꺾인 연결선[E] 20">
+            <a:extLst>
+              <a:ext uri="{FF2B5EF4-FFF2-40B4-BE49-F238E27FC236}">
+                <a16:creationId xmlns:a16="http://schemas.microsoft.com/office/drawing/2014/main" id="{D196417B-71DF-02A2-A961-7597DDB98DE1}"/>
+              </a:ext>
+            </a:extLst>
+          </p:cNvPr>
+          <p:cNvCxnSpPr>
+            <a:stCxn id="4" idx="2"/>
+            <a:endCxn id="19" idx="1"/>
+          </p:cNvCxnSpPr>
+          <p:nvPr/>
+        </p:nvCxnSpPr>
+        <p:spPr>
+          <a:xfrm rot="16200000" flipH="1">
+            <a:off x="3691323" y="2341615"/>
+            <a:ext cx="1777120" cy="1508234"/>
+          </a:xfrm>
+          <a:prstGeom prst="bentConnector2">
+            <a:avLst/>
+          </a:prstGeom>
+          <a:ln>
+            <a:tailEnd type="triangle"/>
+          </a:ln>
+        </p:spPr>
+        <p:style>
+          <a:lnRef idx="3">
+            <a:schemeClr val="accent1"/>
+          </a:lnRef>
+          <a:fillRef idx="0">
+            <a:schemeClr val="accent1"/>
+          </a:fillRef>
+          <a:effectRef idx="2">
+            <a:schemeClr val="accent1"/>
+          </a:effectRef>
+          <a:fontRef idx="minor">
+            <a:schemeClr val="tx1"/>
+          </a:fontRef>
+        </p:style>
+      </p:cxnSp>
+      <p:sp>
+        <p:nvSpPr>
+          <p:cNvPr id="23" name="직사각형 22">
+            <a:extLst>
+              <a:ext uri="{FF2B5EF4-FFF2-40B4-BE49-F238E27FC236}">
+                <a16:creationId xmlns:a16="http://schemas.microsoft.com/office/drawing/2014/main" id="{51394923-E51A-056D-2C90-8BDB4266F9B9}"/>
+              </a:ext>
+            </a:extLst>
+          </p:cNvPr>
+          <p:cNvSpPr/>
+          <p:nvPr/>
+        </p:nvSpPr>
+        <p:spPr>
+          <a:xfrm>
+            <a:off x="2761592" y="2945959"/>
+            <a:ext cx="2128346" cy="408586"/>
+          </a:xfrm>
+          <a:prstGeom prst="rect">
+            <a:avLst/>
+          </a:prstGeom>
+        </p:spPr>
+        <p:style>
+          <a:lnRef idx="2">
+            <a:schemeClr val="accent1"/>
+          </a:lnRef>
+          <a:fillRef idx="1">
+            <a:schemeClr val="lt1"/>
+          </a:fillRef>
+          <a:effectRef idx="0">
+            <a:schemeClr val="accent1"/>
+          </a:effectRef>
+          <a:fontRef idx="minor">
+            <a:schemeClr val="dk1"/>
+          </a:fontRef>
+        </p:style>
+        <p:txBody>
+          <a:bodyPr rtlCol="0" anchor="ctr"/>
+          <a:lstStyle/>
+          <a:p>
+            <a:pPr algn="ctr"/>
+            <a:r>
+              <a:rPr kumimoji="1" lang="en-US" altLang="ko-Kore-KR" sz="1200" dirty="0"/>
+              <a:t>3. </a:t>
+            </a:r>
+            <a:r>
+              <a:rPr kumimoji="1" lang="ko-Kore-KR" altLang="en-US" sz="1200" dirty="0"/>
+              <a:t>게시글</a:t>
+            </a:r>
+            <a:r>
+              <a:rPr kumimoji="1" lang="ko-KR" altLang="en-US" sz="1200" dirty="0"/>
+              <a:t> 데이터 저장</a:t>
+            </a:r>
+            <a:endParaRPr kumimoji="1" lang="en-US" altLang="ko-KR" sz="1200" dirty="0"/>
+          </a:p>
+          <a:p>
+            <a:pPr algn="ctr"/>
+            <a:r>
+              <a:rPr kumimoji="1" lang="en-US" altLang="ko-KR" sz="1200" dirty="0"/>
+              <a:t>insert()</a:t>
+            </a:r>
+          </a:p>
+        </p:txBody>
+      </p:sp>
+      <p:sp>
+        <p:nvSpPr>
+          <p:cNvPr id="25" name="직사각형 24">
+            <a:extLst>
+              <a:ext uri="{FF2B5EF4-FFF2-40B4-BE49-F238E27FC236}">
+                <a16:creationId xmlns:a16="http://schemas.microsoft.com/office/drawing/2014/main" id="{E69B1E49-26E4-9F80-2976-30D975FA9FEC}"/>
+              </a:ext>
+            </a:extLst>
+          </p:cNvPr>
+          <p:cNvSpPr/>
+          <p:nvPr/>
+        </p:nvSpPr>
+        <p:spPr>
+          <a:xfrm>
+            <a:off x="9354211" y="3684747"/>
+            <a:ext cx="2228193" cy="599089"/>
+          </a:xfrm>
+          <a:prstGeom prst="rect">
+            <a:avLst/>
+          </a:prstGeom>
+        </p:spPr>
+        <p:style>
+          <a:lnRef idx="2">
+            <a:schemeClr val="accent1">
+              <a:shade val="50000"/>
+            </a:schemeClr>
+          </a:lnRef>
+          <a:fillRef idx="1">
+            <a:schemeClr val="accent1"/>
+          </a:fillRef>
+          <a:effectRef idx="0">
+            <a:schemeClr val="accent1"/>
+          </a:effectRef>
+          <a:fontRef idx="minor">
+            <a:schemeClr val="lt1"/>
+          </a:fontRef>
+        </p:style>
+        <p:txBody>
+          <a:bodyPr rtlCol="0" anchor="ctr"/>
+          <a:lstStyle/>
+          <a:p>
+            <a:pPr algn="ctr"/>
+            <a:r>
+              <a:rPr kumimoji="1" lang="en-US" altLang="ko-Kore-KR" dirty="0"/>
+              <a:t>app-board</a:t>
+            </a:r>
+            <a:endParaRPr kumimoji="1" lang="ko-Kore-KR" altLang="en-US" dirty="0"/>
+          </a:p>
+        </p:txBody>
+      </p:sp>
+      <p:sp>
+        <p:nvSpPr>
+          <p:cNvPr id="27" name="직사각형 26">
+            <a:extLst>
+              <a:ext uri="{FF2B5EF4-FFF2-40B4-BE49-F238E27FC236}">
+                <a16:creationId xmlns:a16="http://schemas.microsoft.com/office/drawing/2014/main" id="{02A7BD9D-B666-3007-626E-E566C33831E6}"/>
+              </a:ext>
+            </a:extLst>
+          </p:cNvPr>
+          <p:cNvSpPr/>
+          <p:nvPr/>
+        </p:nvSpPr>
+        <p:spPr>
+          <a:xfrm>
+            <a:off x="9354210" y="4741037"/>
+            <a:ext cx="2228193" cy="599089"/>
+          </a:xfrm>
+          <a:prstGeom prst="rect">
+            <a:avLst/>
+          </a:prstGeom>
+        </p:spPr>
+        <p:style>
+          <a:lnRef idx="2">
+            <a:schemeClr val="accent1">
+              <a:shade val="50000"/>
+            </a:schemeClr>
+          </a:lnRef>
+          <a:fillRef idx="1">
+            <a:schemeClr val="accent1"/>
+          </a:fillRef>
+          <a:effectRef idx="0">
+            <a:schemeClr val="accent1"/>
+          </a:effectRef>
+          <a:fontRef idx="minor">
+            <a:schemeClr val="lt1"/>
+          </a:fontRef>
+        </p:style>
+        <p:txBody>
+          <a:bodyPr rtlCol="0" anchor="ctr"/>
+          <a:lstStyle/>
+          <a:p>
+            <a:pPr algn="ctr"/>
+            <a:r>
+              <a:rPr kumimoji="1" lang="en-US" altLang="ko-Kore-KR" dirty="0"/>
+              <a:t>app-</a:t>
+            </a:r>
+            <a:r>
+              <a:rPr kumimoji="1" lang="en-US" altLang="ko-Kore-KR" dirty="0" err="1"/>
+              <a:t>board_files</a:t>
+            </a:r>
+            <a:endParaRPr kumimoji="1" lang="ko-Kore-KR" altLang="en-US" dirty="0"/>
+          </a:p>
+        </p:txBody>
+      </p:sp>
+      <p:cxnSp>
+        <p:nvCxnSpPr>
+          <p:cNvPr id="28" name="직선 화살표 연결선 27">
+            <a:extLst>
+              <a:ext uri="{FF2B5EF4-FFF2-40B4-BE49-F238E27FC236}">
+                <a16:creationId xmlns:a16="http://schemas.microsoft.com/office/drawing/2014/main" id="{E894D1E6-37E9-3952-FAE8-1738C2A48236}"/>
+              </a:ext>
+            </a:extLst>
+          </p:cNvPr>
+          <p:cNvCxnSpPr>
+            <a:cxnSpLocks/>
+            <a:stCxn id="19" idx="3"/>
+            <a:endCxn id="25" idx="1"/>
+          </p:cNvCxnSpPr>
+          <p:nvPr/>
+        </p:nvCxnSpPr>
+        <p:spPr>
+          <a:xfrm>
+            <a:off x="7562193" y="3984292"/>
+            <a:ext cx="1792018" cy="0"/>
+          </a:xfrm>
+          <a:prstGeom prst="straightConnector1">
+            <a:avLst/>
+          </a:prstGeom>
+          <a:ln>
+            <a:tailEnd type="triangle"/>
+          </a:ln>
+        </p:spPr>
+        <p:style>
+          <a:lnRef idx="3">
+            <a:schemeClr val="accent1"/>
+          </a:lnRef>
+          <a:fillRef idx="0">
+            <a:schemeClr val="accent1"/>
+          </a:fillRef>
+          <a:effectRef idx="2">
+            <a:schemeClr val="accent1"/>
+          </a:effectRef>
+          <a:fontRef idx="minor">
+            <a:schemeClr val="tx1"/>
+          </a:fontRef>
+        </p:style>
+      </p:cxnSp>
+      <p:sp>
+        <p:nvSpPr>
+          <p:cNvPr id="31" name="직사각형 30">
+            <a:extLst>
+              <a:ext uri="{FF2B5EF4-FFF2-40B4-BE49-F238E27FC236}">
+                <a16:creationId xmlns:a16="http://schemas.microsoft.com/office/drawing/2014/main" id="{2481833D-1892-02FE-C9B1-F81B6B192787}"/>
+              </a:ext>
+            </a:extLst>
+          </p:cNvPr>
+          <p:cNvSpPr/>
+          <p:nvPr/>
+        </p:nvSpPr>
+        <p:spPr>
+          <a:xfrm>
+            <a:off x="7916701" y="3841526"/>
+            <a:ext cx="1004178" cy="285529"/>
+          </a:xfrm>
+          <a:prstGeom prst="rect">
+            <a:avLst/>
+          </a:prstGeom>
+        </p:spPr>
+        <p:style>
+          <a:lnRef idx="2">
+            <a:schemeClr val="accent1"/>
+          </a:lnRef>
+          <a:fillRef idx="1">
+            <a:schemeClr val="lt1"/>
+          </a:fillRef>
+          <a:effectRef idx="0">
+            <a:schemeClr val="accent1"/>
+          </a:effectRef>
+          <a:fontRef idx="minor">
+            <a:schemeClr val="dk1"/>
+          </a:fontRef>
+        </p:style>
+        <p:txBody>
+          <a:bodyPr rtlCol="0" anchor="ctr"/>
+          <a:lstStyle/>
+          <a:p>
+            <a:pPr algn="ctr"/>
+            <a:r>
+              <a:rPr kumimoji="1" lang="en-US" altLang="ko-Kore-KR" sz="1200" dirty="0"/>
+              <a:t>4. insert()</a:t>
+            </a:r>
+            <a:endParaRPr kumimoji="1" lang="ko-Kore-KR" altLang="en-US" sz="1200" dirty="0"/>
+          </a:p>
+        </p:txBody>
+      </p:sp>
+      <p:cxnSp>
+        <p:nvCxnSpPr>
+          <p:cNvPr id="33" name="직선 화살표 연결선 32">
+            <a:extLst>
+              <a:ext uri="{FF2B5EF4-FFF2-40B4-BE49-F238E27FC236}">
+                <a16:creationId xmlns:a16="http://schemas.microsoft.com/office/drawing/2014/main" id="{9F09B9D6-4678-AD4E-0E6C-6FBA23F161DB}"/>
+              </a:ext>
+            </a:extLst>
+          </p:cNvPr>
+          <p:cNvCxnSpPr>
+            <a:cxnSpLocks/>
+            <a:stCxn id="19" idx="3"/>
+            <a:endCxn id="27" idx="1"/>
+          </p:cNvCxnSpPr>
+          <p:nvPr/>
+        </p:nvCxnSpPr>
+        <p:spPr>
+          <a:xfrm>
+            <a:off x="7562193" y="3984292"/>
+            <a:ext cx="1792017" cy="1056290"/>
+          </a:xfrm>
+          <a:prstGeom prst="straightConnector1">
+            <a:avLst/>
+          </a:prstGeom>
+          <a:ln>
+            <a:tailEnd type="triangle"/>
+          </a:ln>
+        </p:spPr>
+        <p:style>
+          <a:lnRef idx="3">
+            <a:schemeClr val="accent1"/>
+          </a:lnRef>
+          <a:fillRef idx="0">
+            <a:schemeClr val="accent1"/>
+          </a:fillRef>
+          <a:effectRef idx="2">
+            <a:schemeClr val="accent1"/>
+          </a:effectRef>
+          <a:fontRef idx="minor">
+            <a:schemeClr val="tx1"/>
+          </a:fontRef>
+        </p:style>
+      </p:cxnSp>
+    </p:spTree>
+    <p:extLst>
+      <p:ext uri="{BB962C8B-B14F-4D97-AF65-F5344CB8AC3E}">
+        <p14:creationId xmlns:p14="http://schemas.microsoft.com/office/powerpoint/2010/main" val="2964417811"/>
+      </p:ext>
+    </p:extLst>
+  </p:cSld>
+  <p:clrMapOvr>
+    <a:masterClrMapping/>
+  </p:clrMapOvr>
+</p:sld>
+</file>
+
+<file path=ppt/slides/slide12.xml><?xml version="1.0" encoding="utf-8"?>
+<p:sld xmlns:a="http://schemas.openxmlformats.org/drawingml/2006/main" xmlns:r="http://schemas.openxmlformats.org/officeDocument/2006/relationships" xmlns:p="http://schemas.openxmlformats.org/presentationml/2006/main">
+  <p:cSld>
+    <p:spTree>
+      <p:nvGrpSpPr>
+        <p:cNvPr id="1" name=""/>
+        <p:cNvGrpSpPr/>
+        <p:nvPr/>
+      </p:nvGrpSpPr>
+      <p:grpSpPr>
+        <a:xfrm>
+          <a:off x="0" y="0"/>
+          <a:ext cx="0" cy="0"/>
+          <a:chOff x="0" y="0"/>
+          <a:chExt cx="0" cy="0"/>
+        </a:xfrm>
+      </p:grpSpPr>
+      <p:sp>
+        <p:nvSpPr>
+          <p:cNvPr id="26" name="직사각형 25">
+            <a:extLst>
+              <a:ext uri="{FF2B5EF4-FFF2-40B4-BE49-F238E27FC236}">
+                <a16:creationId xmlns:a16="http://schemas.microsoft.com/office/drawing/2014/main" id="{84FB35E3-5448-0207-3A1C-BA00610EF91F}"/>
+              </a:ext>
+            </a:extLst>
+          </p:cNvPr>
+          <p:cNvSpPr/>
+          <p:nvPr/>
+        </p:nvSpPr>
+        <p:spPr>
+          <a:xfrm>
+            <a:off x="2682108" y="3384332"/>
+            <a:ext cx="1566479" cy="599089"/>
+          </a:xfrm>
+          <a:prstGeom prst="rect">
+            <a:avLst/>
+          </a:prstGeom>
+        </p:spPr>
+        <p:style>
+          <a:lnRef idx="2">
+            <a:schemeClr val="accent1">
+              <a:shade val="50000"/>
+            </a:schemeClr>
+          </a:lnRef>
+          <a:fillRef idx="1">
+            <a:schemeClr val="accent1"/>
+          </a:fillRef>
+          <a:effectRef idx="0">
+            <a:schemeClr val="accent1"/>
+          </a:effectRef>
+          <a:fontRef idx="minor">
+            <a:schemeClr val="lt1"/>
+          </a:fontRef>
+        </p:style>
+        <p:txBody>
+          <a:bodyPr rtlCol="0" anchor="ctr"/>
+          <a:lstStyle/>
+          <a:p>
+            <a:pPr algn="ctr"/>
+            <a:r>
+              <a:rPr kumimoji="1" lang="en-US" altLang="ko-Kore-KR" dirty="0"/>
+              <a:t>Board</a:t>
+            </a:r>
+            <a:endParaRPr kumimoji="1" lang="ko-Kore-KR" altLang="en-US" dirty="0"/>
+          </a:p>
+        </p:txBody>
+      </p:sp>
+      <p:sp>
+        <p:nvSpPr>
+          <p:cNvPr id="29" name="직사각형 28">
+            <a:extLst>
+              <a:ext uri="{FF2B5EF4-FFF2-40B4-BE49-F238E27FC236}">
+                <a16:creationId xmlns:a16="http://schemas.microsoft.com/office/drawing/2014/main" id="{3087D354-C729-901B-15CB-E4003A1E22E5}"/>
+              </a:ext>
+            </a:extLst>
+          </p:cNvPr>
+          <p:cNvSpPr/>
+          <p:nvPr/>
+        </p:nvSpPr>
+        <p:spPr>
+          <a:xfrm>
+            <a:off x="5738429" y="3384331"/>
+            <a:ext cx="2228193" cy="599089"/>
+          </a:xfrm>
+          <a:prstGeom prst="rect">
+            <a:avLst/>
+          </a:prstGeom>
+        </p:spPr>
+        <p:style>
+          <a:lnRef idx="2">
+            <a:schemeClr val="accent1">
+              <a:shade val="50000"/>
+            </a:schemeClr>
+          </a:lnRef>
+          <a:fillRef idx="1">
+            <a:schemeClr val="accent1"/>
+          </a:fillRef>
+          <a:effectRef idx="0">
+            <a:schemeClr val="accent1"/>
+          </a:effectRef>
+          <a:fontRef idx="minor">
+            <a:schemeClr val="lt1"/>
+          </a:fontRef>
+        </p:style>
+        <p:txBody>
+          <a:bodyPr rtlCol="0" anchor="ctr"/>
+          <a:lstStyle/>
+          <a:p>
+            <a:pPr algn="ctr"/>
+            <a:r>
+              <a:rPr kumimoji="1" lang="en-US" altLang="ko-Kore-KR" dirty="0"/>
+              <a:t>app-board</a:t>
+            </a:r>
+            <a:endParaRPr kumimoji="1" lang="ko-Kore-KR" altLang="en-US" dirty="0"/>
+          </a:p>
+        </p:txBody>
+      </p:sp>
+      <p:sp>
+        <p:nvSpPr>
+          <p:cNvPr id="30" name="직사각형 29">
+            <a:extLst>
+              <a:ext uri="{FF2B5EF4-FFF2-40B4-BE49-F238E27FC236}">
+                <a16:creationId xmlns:a16="http://schemas.microsoft.com/office/drawing/2014/main" id="{0145EE5D-6885-BE99-42DE-C1C7B7CF1090}"/>
+              </a:ext>
+            </a:extLst>
+          </p:cNvPr>
+          <p:cNvSpPr/>
+          <p:nvPr/>
+        </p:nvSpPr>
+        <p:spPr>
+          <a:xfrm>
+            <a:off x="2682107" y="5511803"/>
+            <a:ext cx="1566479" cy="599089"/>
+          </a:xfrm>
+          <a:prstGeom prst="rect">
+            <a:avLst/>
+          </a:prstGeom>
+        </p:spPr>
+        <p:style>
+          <a:lnRef idx="2">
+            <a:schemeClr val="accent1">
+              <a:shade val="50000"/>
+            </a:schemeClr>
+          </a:lnRef>
+          <a:fillRef idx="1">
+            <a:schemeClr val="accent1"/>
+          </a:fillRef>
+          <a:effectRef idx="0">
+            <a:schemeClr val="accent1"/>
+          </a:effectRef>
+          <a:fontRef idx="minor">
+            <a:schemeClr val="lt1"/>
+          </a:fontRef>
+        </p:style>
+        <p:txBody>
+          <a:bodyPr rtlCol="0" anchor="ctr"/>
+          <a:lstStyle/>
+          <a:p>
+            <a:pPr algn="ctr"/>
+            <a:r>
+              <a:rPr kumimoji="1" lang="en-US" altLang="ko-Kore-KR" dirty="0" err="1"/>
+              <a:t>AttachedFile</a:t>
+            </a:r>
+            <a:endParaRPr kumimoji="1" lang="ko-Kore-KR" altLang="en-US" dirty="0"/>
+          </a:p>
+        </p:txBody>
+      </p:sp>
+      <p:sp>
+        <p:nvSpPr>
+          <p:cNvPr id="32" name="직사각형 31">
+            <a:extLst>
+              <a:ext uri="{FF2B5EF4-FFF2-40B4-BE49-F238E27FC236}">
+                <a16:creationId xmlns:a16="http://schemas.microsoft.com/office/drawing/2014/main" id="{D98E2299-2559-9072-165C-EFBE2D93E090}"/>
+              </a:ext>
+            </a:extLst>
+          </p:cNvPr>
+          <p:cNvSpPr/>
+          <p:nvPr/>
+        </p:nvSpPr>
+        <p:spPr>
+          <a:xfrm>
+            <a:off x="5738427" y="5511803"/>
+            <a:ext cx="2228193" cy="599089"/>
+          </a:xfrm>
+          <a:prstGeom prst="rect">
+            <a:avLst/>
+          </a:prstGeom>
+        </p:spPr>
+        <p:style>
+          <a:lnRef idx="2">
+            <a:schemeClr val="accent1">
+              <a:shade val="50000"/>
+            </a:schemeClr>
+          </a:lnRef>
+          <a:fillRef idx="1">
+            <a:schemeClr val="accent1"/>
+          </a:fillRef>
+          <a:effectRef idx="0">
+            <a:schemeClr val="accent1"/>
+          </a:effectRef>
+          <a:fontRef idx="minor">
+            <a:schemeClr val="lt1"/>
+          </a:fontRef>
+        </p:style>
+        <p:txBody>
+          <a:bodyPr rtlCol="0" anchor="ctr"/>
+          <a:lstStyle/>
+          <a:p>
+            <a:pPr algn="ctr"/>
+            <a:r>
+              <a:rPr kumimoji="1" lang="en-US" altLang="ko-Kore-KR" dirty="0"/>
+              <a:t>app-board-files</a:t>
+            </a:r>
+            <a:endParaRPr kumimoji="1" lang="ko-Kore-KR" altLang="en-US" dirty="0"/>
+          </a:p>
+        </p:txBody>
+      </p:sp>
+      <p:cxnSp>
+        <p:nvCxnSpPr>
+          <p:cNvPr id="34" name="직선 화살표 연결선 33">
+            <a:extLst>
+              <a:ext uri="{FF2B5EF4-FFF2-40B4-BE49-F238E27FC236}">
+                <a16:creationId xmlns:a16="http://schemas.microsoft.com/office/drawing/2014/main" id="{01D54F46-E4CB-44A5-18CE-3207042850FC}"/>
+              </a:ext>
+            </a:extLst>
+          </p:cNvPr>
+          <p:cNvCxnSpPr>
+            <a:cxnSpLocks/>
+            <a:stCxn id="29" idx="1"/>
+            <a:endCxn id="26" idx="3"/>
+          </p:cNvCxnSpPr>
+          <p:nvPr/>
+        </p:nvCxnSpPr>
+        <p:spPr>
+          <a:xfrm flipH="1">
+            <a:off x="4248587" y="3683876"/>
+            <a:ext cx="1489842" cy="1"/>
+          </a:xfrm>
+          <a:prstGeom prst="straightConnector1">
+            <a:avLst/>
+          </a:prstGeom>
+          <a:ln>
+            <a:tailEnd type="triangle"/>
+          </a:ln>
+        </p:spPr>
+        <p:style>
+          <a:lnRef idx="3">
+            <a:schemeClr val="accent1"/>
+          </a:lnRef>
+          <a:fillRef idx="0">
+            <a:schemeClr val="accent1"/>
+          </a:fillRef>
+          <a:effectRef idx="2">
+            <a:schemeClr val="accent1"/>
+          </a:effectRef>
+          <a:fontRef idx="minor">
+            <a:schemeClr val="tx1"/>
+          </a:fontRef>
+        </p:style>
+      </p:cxnSp>
+      <p:cxnSp>
+        <p:nvCxnSpPr>
+          <p:cNvPr id="35" name="직선 화살표 연결선 34">
+            <a:extLst>
+              <a:ext uri="{FF2B5EF4-FFF2-40B4-BE49-F238E27FC236}">
+                <a16:creationId xmlns:a16="http://schemas.microsoft.com/office/drawing/2014/main" id="{37B9DF4B-CE59-12DD-C9B6-5B2BED8AD54C}"/>
+              </a:ext>
+            </a:extLst>
+          </p:cNvPr>
+          <p:cNvCxnSpPr>
+            <a:cxnSpLocks/>
+            <a:stCxn id="32" idx="1"/>
+            <a:endCxn id="30" idx="3"/>
+          </p:cNvCxnSpPr>
+          <p:nvPr/>
+        </p:nvCxnSpPr>
+        <p:spPr>
+          <a:xfrm flipH="1">
+            <a:off x="4248586" y="5811348"/>
+            <a:ext cx="1489841" cy="0"/>
+          </a:xfrm>
+          <a:prstGeom prst="straightConnector1">
+            <a:avLst/>
+          </a:prstGeom>
+          <a:ln>
+            <a:tailEnd type="triangle"/>
+          </a:ln>
+        </p:spPr>
+        <p:style>
+          <a:lnRef idx="3">
+            <a:schemeClr val="accent1"/>
+          </a:lnRef>
+          <a:fillRef idx="0">
+            <a:schemeClr val="accent1"/>
+          </a:fillRef>
+          <a:effectRef idx="2">
+            <a:schemeClr val="accent1"/>
+          </a:effectRef>
+          <a:fontRef idx="minor">
+            <a:schemeClr val="tx1"/>
+          </a:fontRef>
+        </p:style>
+      </p:cxnSp>
+      <p:cxnSp>
+        <p:nvCxnSpPr>
+          <p:cNvPr id="39" name="직선 화살표 연결선 38">
+            <a:extLst>
+              <a:ext uri="{FF2B5EF4-FFF2-40B4-BE49-F238E27FC236}">
+                <a16:creationId xmlns:a16="http://schemas.microsoft.com/office/drawing/2014/main" id="{1147B8C6-6AB8-ADE7-6D2C-DFE0ABEFAE1F}"/>
+              </a:ext>
+            </a:extLst>
+          </p:cNvPr>
+          <p:cNvCxnSpPr>
+            <a:cxnSpLocks/>
+            <a:stCxn id="26" idx="2"/>
+            <a:endCxn id="30" idx="0"/>
+          </p:cNvCxnSpPr>
+          <p:nvPr/>
+        </p:nvCxnSpPr>
+        <p:spPr>
+          <a:xfrm flipH="1">
+            <a:off x="3465347" y="3983421"/>
+            <a:ext cx="1" cy="1528382"/>
+          </a:xfrm>
+          <a:prstGeom prst="straightConnector1">
+            <a:avLst/>
+          </a:prstGeom>
+          <a:ln>
+            <a:tailEnd type="triangle"/>
+          </a:ln>
+        </p:spPr>
+        <p:style>
+          <a:lnRef idx="3">
+            <a:schemeClr val="accent1"/>
+          </a:lnRef>
+          <a:fillRef idx="0">
+            <a:schemeClr val="accent1"/>
+          </a:fillRef>
+          <a:effectRef idx="2">
+            <a:schemeClr val="accent1"/>
+          </a:effectRef>
+          <a:fontRef idx="minor">
+            <a:schemeClr val="tx1"/>
+          </a:fontRef>
+        </p:style>
+      </p:cxnSp>
+      <p:sp>
+        <p:nvSpPr>
+          <p:cNvPr id="42" name="다이아몬드 41">
+            <a:extLst>
+              <a:ext uri="{FF2B5EF4-FFF2-40B4-BE49-F238E27FC236}">
+                <a16:creationId xmlns:a16="http://schemas.microsoft.com/office/drawing/2014/main" id="{09A5AA43-4D76-FBEE-1188-3E6783A0D7B0}"/>
+              </a:ext>
+            </a:extLst>
+          </p:cNvPr>
+          <p:cNvSpPr/>
+          <p:nvPr/>
+        </p:nvSpPr>
+        <p:spPr>
+          <a:xfrm>
+            <a:off x="3360243" y="3967655"/>
+            <a:ext cx="210207" cy="210207"/>
+          </a:xfrm>
+          <a:prstGeom prst="diamond">
+            <a:avLst/>
+          </a:prstGeom>
+          <a:solidFill>
+            <a:schemeClr val="bg1"/>
+          </a:solidFill>
+        </p:spPr>
+        <p:style>
+          <a:lnRef idx="2">
+            <a:schemeClr val="accent1">
+              <a:shade val="50000"/>
+            </a:schemeClr>
+          </a:lnRef>
+          <a:fillRef idx="1">
+            <a:schemeClr val="accent1"/>
+          </a:fillRef>
+          <a:effectRef idx="0">
+            <a:schemeClr val="accent1"/>
+          </a:effectRef>
+          <a:fontRef idx="minor">
+            <a:schemeClr val="lt1"/>
+          </a:fontRef>
+        </p:style>
+        <p:txBody>
+          <a:bodyPr rtlCol="0" anchor="ctr"/>
+          <a:lstStyle/>
+          <a:p>
+            <a:pPr algn="ctr"/>
+            <a:endParaRPr kumimoji="1" lang="ko-Kore-KR" altLang="en-US"/>
+          </a:p>
+        </p:txBody>
+      </p:sp>
+      <p:sp>
+        <p:nvSpPr>
+          <p:cNvPr id="43" name="직사각형 42">
+            <a:extLst>
+              <a:ext uri="{FF2B5EF4-FFF2-40B4-BE49-F238E27FC236}">
+                <a16:creationId xmlns:a16="http://schemas.microsoft.com/office/drawing/2014/main" id="{49CD9049-3367-6756-F70E-9D3A0D980CF3}"/>
+              </a:ext>
+            </a:extLst>
+          </p:cNvPr>
+          <p:cNvSpPr/>
+          <p:nvPr/>
+        </p:nvSpPr>
+        <p:spPr>
+          <a:xfrm>
+            <a:off x="2682105" y="1556403"/>
+            <a:ext cx="1566479" cy="599089"/>
+          </a:xfrm>
+          <a:prstGeom prst="rect">
+            <a:avLst/>
+          </a:prstGeom>
+        </p:spPr>
+        <p:style>
+          <a:lnRef idx="2">
+            <a:schemeClr val="accent1">
+              <a:shade val="50000"/>
+            </a:schemeClr>
+          </a:lnRef>
+          <a:fillRef idx="1">
+            <a:schemeClr val="accent1"/>
+          </a:fillRef>
+          <a:effectRef idx="0">
+            <a:schemeClr val="accent1"/>
+          </a:effectRef>
+          <a:fontRef idx="minor">
+            <a:schemeClr val="lt1"/>
+          </a:fontRef>
+        </p:style>
+        <p:txBody>
+          <a:bodyPr rtlCol="0" anchor="ctr"/>
+          <a:lstStyle/>
+          <a:p>
+            <a:pPr algn="ctr"/>
+            <a:r>
+              <a:rPr kumimoji="1" lang="en-US" altLang="ko-Kore-KR" dirty="0"/>
+              <a:t>Member</a:t>
+            </a:r>
+            <a:endParaRPr kumimoji="1" lang="ko-Kore-KR" altLang="en-US" dirty="0"/>
+          </a:p>
+        </p:txBody>
+      </p:sp>
+      <p:cxnSp>
+        <p:nvCxnSpPr>
+          <p:cNvPr id="45" name="직선 화살표 연결선 44">
+            <a:extLst>
+              <a:ext uri="{FF2B5EF4-FFF2-40B4-BE49-F238E27FC236}">
+                <a16:creationId xmlns:a16="http://schemas.microsoft.com/office/drawing/2014/main" id="{517DD0C8-0139-ACEA-6E57-A63C84A3A2D0}"/>
+              </a:ext>
+            </a:extLst>
+          </p:cNvPr>
+          <p:cNvCxnSpPr>
+            <a:cxnSpLocks/>
+            <a:stCxn id="26" idx="0"/>
+            <a:endCxn id="43" idx="2"/>
+          </p:cNvCxnSpPr>
+          <p:nvPr/>
+        </p:nvCxnSpPr>
+        <p:spPr>
+          <a:xfrm flipH="1" flipV="1">
+            <a:off x="3465345" y="2155492"/>
+            <a:ext cx="3" cy="1228840"/>
+          </a:xfrm>
+          <a:prstGeom prst="straightConnector1">
+            <a:avLst/>
+          </a:prstGeom>
+          <a:ln>
+            <a:tailEnd type="triangle"/>
+          </a:ln>
+        </p:spPr>
+        <p:style>
+          <a:lnRef idx="3">
+            <a:schemeClr val="accent1"/>
+          </a:lnRef>
+          <a:fillRef idx="0">
+            <a:schemeClr val="accent1"/>
+          </a:fillRef>
+          <a:effectRef idx="2">
+            <a:schemeClr val="accent1"/>
+          </a:effectRef>
+          <a:fontRef idx="minor">
+            <a:schemeClr val="tx1"/>
+          </a:fontRef>
+        </p:style>
+      </p:cxnSp>
+      <p:sp>
+        <p:nvSpPr>
+          <p:cNvPr id="46" name="다이아몬드 45">
+            <a:extLst>
+              <a:ext uri="{FF2B5EF4-FFF2-40B4-BE49-F238E27FC236}">
+                <a16:creationId xmlns:a16="http://schemas.microsoft.com/office/drawing/2014/main" id="{55EBBF4F-E5E4-6A62-3563-AA26547ECEBD}"/>
+              </a:ext>
+            </a:extLst>
+          </p:cNvPr>
+          <p:cNvSpPr/>
+          <p:nvPr/>
+        </p:nvSpPr>
+        <p:spPr>
+          <a:xfrm>
+            <a:off x="3360243" y="3174995"/>
+            <a:ext cx="210207" cy="210207"/>
+          </a:xfrm>
+          <a:prstGeom prst="diamond">
+            <a:avLst/>
+          </a:prstGeom>
+          <a:solidFill>
+            <a:schemeClr val="bg1"/>
+          </a:solidFill>
+        </p:spPr>
+        <p:style>
+          <a:lnRef idx="2">
+            <a:schemeClr val="accent1">
+              <a:shade val="50000"/>
+            </a:schemeClr>
+          </a:lnRef>
+          <a:fillRef idx="1">
+            <a:schemeClr val="accent1"/>
+          </a:fillRef>
+          <a:effectRef idx="0">
+            <a:schemeClr val="accent1"/>
+          </a:effectRef>
+          <a:fontRef idx="minor">
+            <a:schemeClr val="lt1"/>
+          </a:fontRef>
+        </p:style>
+        <p:txBody>
+          <a:bodyPr rtlCol="0" anchor="ctr"/>
+          <a:lstStyle/>
+          <a:p>
+            <a:pPr algn="ctr"/>
+            <a:endParaRPr kumimoji="1" lang="ko-Kore-KR" altLang="en-US"/>
+          </a:p>
+        </p:txBody>
+      </p:sp>
+      <p:sp>
+        <p:nvSpPr>
+          <p:cNvPr id="48" name="직사각형 47">
+            <a:extLst>
+              <a:ext uri="{FF2B5EF4-FFF2-40B4-BE49-F238E27FC236}">
+                <a16:creationId xmlns:a16="http://schemas.microsoft.com/office/drawing/2014/main" id="{A619316F-C34D-2907-C1DC-1F0C00CE3551}"/>
+              </a:ext>
+            </a:extLst>
+          </p:cNvPr>
+          <p:cNvSpPr/>
+          <p:nvPr/>
+        </p:nvSpPr>
+        <p:spPr>
+          <a:xfrm>
+            <a:off x="5738427" y="1545885"/>
+            <a:ext cx="2228193" cy="599089"/>
+          </a:xfrm>
+          <a:prstGeom prst="rect">
+            <a:avLst/>
+          </a:prstGeom>
+        </p:spPr>
+        <p:style>
+          <a:lnRef idx="2">
+            <a:schemeClr val="accent1">
+              <a:shade val="50000"/>
+            </a:schemeClr>
+          </a:lnRef>
+          <a:fillRef idx="1">
+            <a:schemeClr val="accent1"/>
+          </a:fillRef>
+          <a:effectRef idx="0">
+            <a:schemeClr val="accent1"/>
+          </a:effectRef>
+          <a:fontRef idx="minor">
+            <a:schemeClr val="lt1"/>
+          </a:fontRef>
+        </p:style>
+        <p:txBody>
+          <a:bodyPr rtlCol="0" anchor="ctr"/>
+          <a:lstStyle/>
+          <a:p>
+            <a:pPr algn="ctr"/>
+            <a:r>
+              <a:rPr kumimoji="1" lang="en-US" altLang="ko-Kore-KR" dirty="0"/>
+              <a:t>app-member</a:t>
+            </a:r>
+            <a:endParaRPr kumimoji="1" lang="ko-Kore-KR" altLang="en-US" dirty="0"/>
+          </a:p>
+        </p:txBody>
+      </p:sp>
+      <p:cxnSp>
+        <p:nvCxnSpPr>
+          <p:cNvPr id="49" name="직선 화살표 연결선 48">
+            <a:extLst>
+              <a:ext uri="{FF2B5EF4-FFF2-40B4-BE49-F238E27FC236}">
+                <a16:creationId xmlns:a16="http://schemas.microsoft.com/office/drawing/2014/main" id="{212B931E-1925-6794-071B-083CD22719EE}"/>
+              </a:ext>
+            </a:extLst>
+          </p:cNvPr>
+          <p:cNvCxnSpPr>
+            <a:cxnSpLocks/>
+            <a:stCxn id="48" idx="1"/>
+            <a:endCxn id="43" idx="3"/>
+          </p:cNvCxnSpPr>
+          <p:nvPr/>
+        </p:nvCxnSpPr>
+        <p:spPr>
+          <a:xfrm flipH="1">
+            <a:off x="4248584" y="1845430"/>
+            <a:ext cx="1489843" cy="10518"/>
+          </a:xfrm>
+          <a:prstGeom prst="straightConnector1">
+            <a:avLst/>
+          </a:prstGeom>
+          <a:ln>
+            <a:tailEnd type="triangle"/>
+          </a:ln>
+        </p:spPr>
+        <p:style>
+          <a:lnRef idx="3">
+            <a:schemeClr val="accent1"/>
+          </a:lnRef>
+          <a:fillRef idx="0">
+            <a:schemeClr val="accent1"/>
+          </a:fillRef>
+          <a:effectRef idx="2">
+            <a:schemeClr val="accent1"/>
+          </a:effectRef>
+          <a:fontRef idx="minor">
+            <a:schemeClr val="tx1"/>
+          </a:fontRef>
+        </p:style>
+      </p:cxnSp>
+      <p:sp>
+        <p:nvSpPr>
+          <p:cNvPr id="54" name="직사각형 53">
+            <a:extLst>
+              <a:ext uri="{FF2B5EF4-FFF2-40B4-BE49-F238E27FC236}">
+                <a16:creationId xmlns:a16="http://schemas.microsoft.com/office/drawing/2014/main" id="{E882D69F-E52B-E53A-669A-BDBC7B490421}"/>
+              </a:ext>
+            </a:extLst>
+          </p:cNvPr>
+          <p:cNvSpPr/>
+          <p:nvPr/>
+        </p:nvSpPr>
+        <p:spPr>
+          <a:xfrm>
+            <a:off x="3746495" y="2327604"/>
+            <a:ext cx="1004178" cy="285529"/>
+          </a:xfrm>
+          <a:prstGeom prst="rect">
+            <a:avLst/>
+          </a:prstGeom>
+        </p:spPr>
+        <p:style>
+          <a:lnRef idx="2">
+            <a:schemeClr val="accent1"/>
+          </a:lnRef>
+          <a:fillRef idx="1">
+            <a:schemeClr val="lt1"/>
+          </a:fillRef>
+          <a:effectRef idx="0">
+            <a:schemeClr val="accent1"/>
+          </a:effectRef>
+          <a:fontRef idx="minor">
+            <a:schemeClr val="dk1"/>
+          </a:fontRef>
+        </p:style>
+        <p:txBody>
+          <a:bodyPr rtlCol="0" anchor="ctr"/>
+          <a:lstStyle/>
+          <a:p>
+            <a:pPr algn="ctr"/>
+            <a:r>
+              <a:rPr kumimoji="1" lang="en-US" altLang="ko-Kore-KR" sz="1200" dirty="0"/>
+              <a:t>writer</a:t>
+            </a:r>
+            <a:endParaRPr kumimoji="1" lang="ko-Kore-KR" altLang="en-US" sz="1200" dirty="0"/>
+          </a:p>
+        </p:txBody>
+      </p:sp>
+      <p:sp>
+        <p:nvSpPr>
+          <p:cNvPr id="61" name="직사각형 60">
+            <a:extLst>
+              <a:ext uri="{FF2B5EF4-FFF2-40B4-BE49-F238E27FC236}">
+                <a16:creationId xmlns:a16="http://schemas.microsoft.com/office/drawing/2014/main" id="{2BD0D31B-C817-008E-291D-F65532E7CBD0}"/>
+              </a:ext>
+            </a:extLst>
+          </p:cNvPr>
+          <p:cNvSpPr/>
+          <p:nvPr/>
+        </p:nvSpPr>
+        <p:spPr>
+          <a:xfrm>
+            <a:off x="3746492" y="5076501"/>
+            <a:ext cx="1004178" cy="285529"/>
+          </a:xfrm>
+          <a:prstGeom prst="rect">
+            <a:avLst/>
+          </a:prstGeom>
+        </p:spPr>
+        <p:style>
+          <a:lnRef idx="2">
+            <a:schemeClr val="accent1"/>
+          </a:lnRef>
+          <a:fillRef idx="1">
+            <a:schemeClr val="lt1"/>
+          </a:fillRef>
+          <a:effectRef idx="0">
+            <a:schemeClr val="accent1"/>
+          </a:effectRef>
+          <a:fontRef idx="minor">
+            <a:schemeClr val="dk1"/>
+          </a:fontRef>
+        </p:style>
+        <p:txBody>
+          <a:bodyPr rtlCol="0" anchor="ctr"/>
+          <a:lstStyle/>
+          <a:p>
+            <a:pPr algn="ctr"/>
+            <a:r>
+              <a:rPr kumimoji="1" lang="en-US" altLang="ko-Kore-KR" sz="1200" dirty="0"/>
+              <a:t>files</a:t>
+            </a:r>
+            <a:endParaRPr kumimoji="1" lang="ko-Kore-KR" altLang="en-US" sz="1200" dirty="0"/>
+          </a:p>
+        </p:txBody>
+      </p:sp>
+      <p:cxnSp>
+        <p:nvCxnSpPr>
+          <p:cNvPr id="63" name="직선 연결선[R] 62">
+            <a:extLst>
+              <a:ext uri="{FF2B5EF4-FFF2-40B4-BE49-F238E27FC236}">
+                <a16:creationId xmlns:a16="http://schemas.microsoft.com/office/drawing/2014/main" id="{FA66C4F9-5F5A-9308-B2ED-F88203E45AC1}"/>
+              </a:ext>
+            </a:extLst>
+          </p:cNvPr>
+          <p:cNvCxnSpPr>
+            <a:stCxn id="29" idx="2"/>
+            <a:endCxn id="32" idx="0"/>
+          </p:cNvCxnSpPr>
+          <p:nvPr/>
+        </p:nvCxnSpPr>
+        <p:spPr>
+          <a:xfrm flipH="1">
+            <a:off x="6852524" y="3983420"/>
+            <a:ext cx="2" cy="1528383"/>
+          </a:xfrm>
+          <a:prstGeom prst="line">
+            <a:avLst/>
+          </a:prstGeom>
+        </p:spPr>
+        <p:style>
+          <a:lnRef idx="3">
+            <a:schemeClr val="accent1"/>
+          </a:lnRef>
+          <a:fillRef idx="0">
+            <a:schemeClr val="accent1"/>
+          </a:fillRef>
+          <a:effectRef idx="2">
+            <a:schemeClr val="accent1"/>
+          </a:effectRef>
+          <a:fontRef idx="minor">
+            <a:schemeClr val="tx1"/>
+          </a:fontRef>
+        </p:style>
+      </p:cxnSp>
+      <p:cxnSp>
+        <p:nvCxnSpPr>
+          <p:cNvPr id="64" name="직선 연결선[R] 63">
+            <a:extLst>
+              <a:ext uri="{FF2B5EF4-FFF2-40B4-BE49-F238E27FC236}">
+                <a16:creationId xmlns:a16="http://schemas.microsoft.com/office/drawing/2014/main" id="{EF16959B-E280-9D9D-05B8-7488072E4375}"/>
+              </a:ext>
+            </a:extLst>
+          </p:cNvPr>
+          <p:cNvCxnSpPr>
+            <a:cxnSpLocks/>
+            <a:stCxn id="48" idx="2"/>
+            <a:endCxn id="29" idx="0"/>
+          </p:cNvCxnSpPr>
+          <p:nvPr/>
+        </p:nvCxnSpPr>
+        <p:spPr>
+          <a:xfrm>
+            <a:off x="6852524" y="2144974"/>
+            <a:ext cx="2" cy="1239357"/>
+          </a:xfrm>
+          <a:prstGeom prst="line">
+            <a:avLst/>
+          </a:prstGeom>
+        </p:spPr>
+        <p:style>
+          <a:lnRef idx="3">
+            <a:schemeClr val="accent1"/>
+          </a:lnRef>
+          <a:fillRef idx="0">
+            <a:schemeClr val="accent1"/>
+          </a:fillRef>
+          <a:effectRef idx="2">
+            <a:schemeClr val="accent1"/>
+          </a:effectRef>
+          <a:fontRef idx="minor">
+            <a:schemeClr val="tx1"/>
+          </a:fontRef>
+        </p:style>
+      </p:cxnSp>
+      <p:cxnSp>
+        <p:nvCxnSpPr>
+          <p:cNvPr id="68" name="직선 연결선[R] 67">
+            <a:extLst>
+              <a:ext uri="{FF2B5EF4-FFF2-40B4-BE49-F238E27FC236}">
+                <a16:creationId xmlns:a16="http://schemas.microsoft.com/office/drawing/2014/main" id="{135EBF50-18B1-2772-EB6F-BC74E6BB3858}"/>
+              </a:ext>
+            </a:extLst>
+          </p:cNvPr>
+          <p:cNvCxnSpPr/>
+          <p:nvPr/>
+        </p:nvCxnSpPr>
+        <p:spPr>
+          <a:xfrm>
+            <a:off x="6742164" y="3174995"/>
+            <a:ext cx="220717" cy="0"/>
+          </a:xfrm>
+          <a:prstGeom prst="line">
+            <a:avLst/>
+          </a:prstGeom>
+        </p:spPr>
+        <p:style>
+          <a:lnRef idx="3">
+            <a:schemeClr val="accent1"/>
+          </a:lnRef>
+          <a:fillRef idx="0">
+            <a:schemeClr val="accent1"/>
+          </a:fillRef>
+          <a:effectRef idx="2">
+            <a:schemeClr val="accent1"/>
+          </a:effectRef>
+          <a:fontRef idx="minor">
+            <a:schemeClr val="tx1"/>
+          </a:fontRef>
+        </p:style>
+      </p:cxnSp>
+      <p:cxnSp>
+        <p:nvCxnSpPr>
+          <p:cNvPr id="69" name="직선 연결선[R] 68">
+            <a:extLst>
+              <a:ext uri="{FF2B5EF4-FFF2-40B4-BE49-F238E27FC236}">
+                <a16:creationId xmlns:a16="http://schemas.microsoft.com/office/drawing/2014/main" id="{9310C07D-BB27-8F8D-690E-8C3DEF0C3F66}"/>
+              </a:ext>
+            </a:extLst>
+          </p:cNvPr>
+          <p:cNvCxnSpPr>
+            <a:cxnSpLocks/>
+          </p:cNvCxnSpPr>
+          <p:nvPr/>
+        </p:nvCxnSpPr>
+        <p:spPr>
+          <a:xfrm>
+            <a:off x="6852522" y="3174995"/>
+            <a:ext cx="110359" cy="209336"/>
+          </a:xfrm>
+          <a:prstGeom prst="line">
+            <a:avLst/>
+          </a:prstGeom>
+        </p:spPr>
+        <p:style>
+          <a:lnRef idx="3">
+            <a:schemeClr val="accent1"/>
+          </a:lnRef>
+          <a:fillRef idx="0">
+            <a:schemeClr val="accent1"/>
+          </a:fillRef>
+          <a:effectRef idx="2">
+            <a:schemeClr val="accent1"/>
+          </a:effectRef>
+          <a:fontRef idx="minor">
+            <a:schemeClr val="tx1"/>
+          </a:fontRef>
+        </p:style>
+      </p:cxnSp>
+      <p:cxnSp>
+        <p:nvCxnSpPr>
+          <p:cNvPr id="72" name="직선 연결선[R] 71">
+            <a:extLst>
+              <a:ext uri="{FF2B5EF4-FFF2-40B4-BE49-F238E27FC236}">
+                <a16:creationId xmlns:a16="http://schemas.microsoft.com/office/drawing/2014/main" id="{ECD14983-0061-6B2A-3B52-C65D5CA7E221}"/>
+              </a:ext>
+            </a:extLst>
+          </p:cNvPr>
+          <p:cNvCxnSpPr>
+            <a:cxnSpLocks/>
+          </p:cNvCxnSpPr>
+          <p:nvPr/>
+        </p:nvCxnSpPr>
+        <p:spPr>
+          <a:xfrm flipH="1">
+            <a:off x="6742164" y="3174994"/>
+            <a:ext cx="110359" cy="209337"/>
+          </a:xfrm>
+          <a:prstGeom prst="line">
+            <a:avLst/>
+          </a:prstGeom>
+        </p:spPr>
+        <p:style>
+          <a:lnRef idx="3">
+            <a:schemeClr val="accent1"/>
+          </a:lnRef>
+          <a:fillRef idx="0">
+            <a:schemeClr val="accent1"/>
+          </a:fillRef>
+          <a:effectRef idx="2">
+            <a:schemeClr val="accent1"/>
+          </a:effectRef>
+          <a:fontRef idx="minor">
+            <a:schemeClr val="tx1"/>
+          </a:fontRef>
+        </p:style>
+      </p:cxnSp>
+      <p:cxnSp>
+        <p:nvCxnSpPr>
+          <p:cNvPr id="76" name="직선 연결선[R] 75">
+            <a:extLst>
+              <a:ext uri="{FF2B5EF4-FFF2-40B4-BE49-F238E27FC236}">
+                <a16:creationId xmlns:a16="http://schemas.microsoft.com/office/drawing/2014/main" id="{736F4E74-5C1D-0B79-A4D2-D465A32A6EA4}"/>
+              </a:ext>
+            </a:extLst>
+          </p:cNvPr>
+          <p:cNvCxnSpPr/>
+          <p:nvPr/>
+        </p:nvCxnSpPr>
+        <p:spPr>
+          <a:xfrm>
+            <a:off x="6742164" y="2291689"/>
+            <a:ext cx="220717" cy="0"/>
+          </a:xfrm>
+          <a:prstGeom prst="line">
+            <a:avLst/>
+          </a:prstGeom>
+        </p:spPr>
+        <p:style>
+          <a:lnRef idx="3">
+            <a:schemeClr val="accent1"/>
+          </a:lnRef>
+          <a:fillRef idx="0">
+            <a:schemeClr val="accent1"/>
+          </a:fillRef>
+          <a:effectRef idx="2">
+            <a:schemeClr val="accent1"/>
+          </a:effectRef>
+          <a:fontRef idx="minor">
+            <a:schemeClr val="tx1"/>
+          </a:fontRef>
+        </p:style>
+      </p:cxnSp>
+      <p:sp>
+        <p:nvSpPr>
+          <p:cNvPr id="77" name="타원 76">
+            <a:extLst>
+              <a:ext uri="{FF2B5EF4-FFF2-40B4-BE49-F238E27FC236}">
+                <a16:creationId xmlns:a16="http://schemas.microsoft.com/office/drawing/2014/main" id="{7D2714B4-CB04-2AB0-1B43-F63C4C75CFDB}"/>
+              </a:ext>
+            </a:extLst>
+          </p:cNvPr>
+          <p:cNvSpPr/>
+          <p:nvPr/>
+        </p:nvSpPr>
+        <p:spPr>
+          <a:xfrm>
+            <a:off x="6742149" y="2961112"/>
+            <a:ext cx="220717" cy="213881"/>
+          </a:xfrm>
+          <a:prstGeom prst="ellipse">
+            <a:avLst/>
+          </a:prstGeom>
+          <a:solidFill>
+            <a:schemeClr val="bg1"/>
+          </a:solidFill>
+        </p:spPr>
+        <p:style>
+          <a:lnRef idx="2">
+            <a:schemeClr val="accent1">
+              <a:shade val="50000"/>
+            </a:schemeClr>
+          </a:lnRef>
+          <a:fillRef idx="1">
+            <a:schemeClr val="accent1"/>
+          </a:fillRef>
+          <a:effectRef idx="0">
+            <a:schemeClr val="accent1"/>
+          </a:effectRef>
+          <a:fontRef idx="minor">
+            <a:schemeClr val="lt1"/>
+          </a:fontRef>
+        </p:style>
+        <p:txBody>
+          <a:bodyPr rtlCol="0" anchor="ctr"/>
+          <a:lstStyle/>
+          <a:p>
+            <a:pPr algn="ctr"/>
+            <a:endParaRPr kumimoji="1" lang="ko-Kore-KR" altLang="en-US"/>
+          </a:p>
+        </p:txBody>
+      </p:sp>
+      <p:cxnSp>
+        <p:nvCxnSpPr>
+          <p:cNvPr id="80" name="직선 연결선[R] 79">
+            <a:extLst>
+              <a:ext uri="{FF2B5EF4-FFF2-40B4-BE49-F238E27FC236}">
+                <a16:creationId xmlns:a16="http://schemas.microsoft.com/office/drawing/2014/main" id="{B98DDBF1-FC38-145A-AB24-E386B2F09054}"/>
+              </a:ext>
+            </a:extLst>
+          </p:cNvPr>
+          <p:cNvCxnSpPr/>
+          <p:nvPr/>
+        </p:nvCxnSpPr>
+        <p:spPr>
+          <a:xfrm>
+            <a:off x="6752466" y="5367719"/>
+            <a:ext cx="220717" cy="0"/>
+          </a:xfrm>
+          <a:prstGeom prst="line">
+            <a:avLst/>
+          </a:prstGeom>
+        </p:spPr>
+        <p:style>
+          <a:lnRef idx="3">
+            <a:schemeClr val="accent1"/>
+          </a:lnRef>
+          <a:fillRef idx="0">
+            <a:schemeClr val="accent1"/>
+          </a:fillRef>
+          <a:effectRef idx="2">
+            <a:schemeClr val="accent1"/>
+          </a:effectRef>
+          <a:fontRef idx="minor">
+            <a:schemeClr val="tx1"/>
+          </a:fontRef>
+        </p:style>
+      </p:cxnSp>
+      <p:cxnSp>
+        <p:nvCxnSpPr>
+          <p:cNvPr id="82" name="직선 연결선[R] 81">
+            <a:extLst>
+              <a:ext uri="{FF2B5EF4-FFF2-40B4-BE49-F238E27FC236}">
+                <a16:creationId xmlns:a16="http://schemas.microsoft.com/office/drawing/2014/main" id="{43DB6B7A-FEA3-9824-CF8C-63F0E7815EE4}"/>
+              </a:ext>
+            </a:extLst>
+          </p:cNvPr>
+          <p:cNvCxnSpPr>
+            <a:cxnSpLocks/>
+          </p:cNvCxnSpPr>
+          <p:nvPr/>
+        </p:nvCxnSpPr>
+        <p:spPr>
+          <a:xfrm>
+            <a:off x="6852536" y="5329719"/>
+            <a:ext cx="110359" cy="209336"/>
+          </a:xfrm>
+          <a:prstGeom prst="line">
+            <a:avLst/>
+          </a:prstGeom>
+        </p:spPr>
+        <p:style>
+          <a:lnRef idx="3">
+            <a:schemeClr val="accent1"/>
+          </a:lnRef>
+          <a:fillRef idx="0">
+            <a:schemeClr val="accent1"/>
+          </a:fillRef>
+          <a:effectRef idx="2">
+            <a:schemeClr val="accent1"/>
+          </a:effectRef>
+          <a:fontRef idx="minor">
+            <a:schemeClr val="tx1"/>
+          </a:fontRef>
+        </p:style>
+      </p:cxnSp>
+      <p:cxnSp>
+        <p:nvCxnSpPr>
+          <p:cNvPr id="83" name="직선 연결선[R] 82">
+            <a:extLst>
+              <a:ext uri="{FF2B5EF4-FFF2-40B4-BE49-F238E27FC236}">
+                <a16:creationId xmlns:a16="http://schemas.microsoft.com/office/drawing/2014/main" id="{D4B1008A-2897-D2C7-4725-85D1A1D954AB}"/>
+              </a:ext>
+            </a:extLst>
+          </p:cNvPr>
+          <p:cNvCxnSpPr>
+            <a:cxnSpLocks/>
+          </p:cNvCxnSpPr>
+          <p:nvPr/>
+        </p:nvCxnSpPr>
+        <p:spPr>
+          <a:xfrm flipH="1">
+            <a:off x="6742178" y="5329718"/>
+            <a:ext cx="110359" cy="209337"/>
+          </a:xfrm>
+          <a:prstGeom prst="line">
+            <a:avLst/>
+          </a:prstGeom>
+        </p:spPr>
+        <p:style>
+          <a:lnRef idx="3">
+            <a:schemeClr val="accent1"/>
+          </a:lnRef>
+          <a:fillRef idx="0">
+            <a:schemeClr val="accent1"/>
+          </a:fillRef>
+          <a:effectRef idx="2">
+            <a:schemeClr val="accent1"/>
+          </a:effectRef>
+          <a:fontRef idx="minor">
+            <a:schemeClr val="tx1"/>
+          </a:fontRef>
+        </p:style>
+      </p:cxnSp>
+      <p:cxnSp>
+        <p:nvCxnSpPr>
+          <p:cNvPr id="84" name="직선 연결선[R] 83">
+            <a:extLst>
+              <a:ext uri="{FF2B5EF4-FFF2-40B4-BE49-F238E27FC236}">
+                <a16:creationId xmlns:a16="http://schemas.microsoft.com/office/drawing/2014/main" id="{D4F9D0C8-C806-A830-06CB-7235D0EA21F9}"/>
+              </a:ext>
+            </a:extLst>
+          </p:cNvPr>
+          <p:cNvCxnSpPr/>
+          <p:nvPr/>
+        </p:nvCxnSpPr>
+        <p:spPr>
+          <a:xfrm>
+            <a:off x="6752466" y="4177862"/>
+            <a:ext cx="220717" cy="0"/>
+          </a:xfrm>
+          <a:prstGeom prst="line">
+            <a:avLst/>
+          </a:prstGeom>
+        </p:spPr>
+        <p:style>
+          <a:lnRef idx="3">
+            <a:schemeClr val="accent1"/>
+          </a:lnRef>
+          <a:fillRef idx="0">
+            <a:schemeClr val="accent1"/>
+          </a:fillRef>
+          <a:effectRef idx="2">
+            <a:schemeClr val="accent1"/>
+          </a:effectRef>
+          <a:fontRef idx="minor">
+            <a:schemeClr val="tx1"/>
+          </a:fontRef>
+        </p:style>
+      </p:cxnSp>
+      <p:sp>
+        <p:nvSpPr>
+          <p:cNvPr id="85" name="타원 84">
+            <a:extLst>
+              <a:ext uri="{FF2B5EF4-FFF2-40B4-BE49-F238E27FC236}">
+                <a16:creationId xmlns:a16="http://schemas.microsoft.com/office/drawing/2014/main" id="{07415ADB-6AED-AF2F-2B04-617C83647872}"/>
+              </a:ext>
+            </a:extLst>
+          </p:cNvPr>
+          <p:cNvSpPr/>
+          <p:nvPr/>
+        </p:nvSpPr>
+        <p:spPr>
+          <a:xfrm>
+            <a:off x="6742163" y="5115836"/>
+            <a:ext cx="220717" cy="213881"/>
+          </a:xfrm>
+          <a:prstGeom prst="ellipse">
+            <a:avLst/>
+          </a:prstGeom>
+          <a:solidFill>
+            <a:schemeClr val="bg1"/>
+          </a:solidFill>
+        </p:spPr>
+        <p:style>
+          <a:lnRef idx="2">
+            <a:schemeClr val="accent1">
+              <a:shade val="50000"/>
+            </a:schemeClr>
+          </a:lnRef>
+          <a:fillRef idx="1">
+            <a:schemeClr val="accent1"/>
+          </a:fillRef>
+          <a:effectRef idx="0">
+            <a:schemeClr val="accent1"/>
+          </a:effectRef>
+          <a:fontRef idx="minor">
+            <a:schemeClr val="lt1"/>
+          </a:fontRef>
+        </p:style>
+        <p:txBody>
+          <a:bodyPr rtlCol="0" anchor="ctr"/>
+          <a:lstStyle/>
+          <a:p>
+            <a:pPr algn="ctr"/>
+            <a:endParaRPr kumimoji="1" lang="ko-Kore-KR" altLang="en-US"/>
+          </a:p>
+        </p:txBody>
+      </p:sp>
+    </p:spTree>
+    <p:extLst>
+      <p:ext uri="{BB962C8B-B14F-4D97-AF65-F5344CB8AC3E}">
+        <p14:creationId xmlns:p14="http://schemas.microsoft.com/office/powerpoint/2010/main" val="4097818321"/>
       </p:ext>
     </p:extLst>
   </p:cSld>
